--- a/dokumentation/scd42636/Dominik-Scharnagl.pptx
+++ b/dokumentation/scd42636/Dominik-Scharnagl.pptx
@@ -5,10 +5,10 @@
     <p:sldMasterId id="2147483660" r:id="rId1"/>
   </p:sldMasterIdLst>
   <p:notesMasterIdLst>
-    <p:notesMasterId r:id="rId14"/>
+    <p:notesMasterId r:id="rId15"/>
   </p:notesMasterIdLst>
   <p:handoutMasterIdLst>
-    <p:handoutMasterId r:id="rId15"/>
+    <p:handoutMasterId r:id="rId16"/>
   </p:handoutMasterIdLst>
   <p:sldIdLst>
     <p:sldId id="273" r:id="rId2"/>
@@ -18,11 +18,12 @@
     <p:sldId id="278" r:id="rId6"/>
     <p:sldId id="279" r:id="rId7"/>
     <p:sldId id="280" r:id="rId8"/>
-    <p:sldId id="283" r:id="rId9"/>
-    <p:sldId id="281" r:id="rId10"/>
-    <p:sldId id="282" r:id="rId11"/>
-    <p:sldId id="284" r:id="rId12"/>
-    <p:sldId id="285" r:id="rId13"/>
+    <p:sldId id="286" r:id="rId9"/>
+    <p:sldId id="283" r:id="rId10"/>
+    <p:sldId id="281" r:id="rId11"/>
+    <p:sldId id="282" r:id="rId12"/>
+    <p:sldId id="284" r:id="rId13"/>
+    <p:sldId id="285" r:id="rId14"/>
   </p:sldIdLst>
   <p:sldSz cx="9144000" cy="6858000" type="screen4x3"/>
   <p:notesSz cx="6858000" cy="9144000"/>
@@ -1089,7 +1090,11 @@
             <a:pPr algn="r"/>
             <a:r>
               <a:rPr lang="de-DE" sz="1400" dirty="0" smtClean="0"/>
-              <a:t>Dominik Scharnagl</a:t>
+              <a:t>Dominik</a:t>
+            </a:r>
+            <a:r>
+              <a:rPr lang="de-DE" sz="1400" baseline="0" dirty="0" smtClean="0"/>
+              <a:t> / Mehmet</a:t>
             </a:r>
             <a:endParaRPr lang="de-DE" sz="1400" dirty="0"/>
           </a:p>
@@ -1600,7 +1605,11 @@
             </a:r>
             <a:r>
               <a:rPr lang="de-DE" sz="1400" baseline="0" dirty="0" smtClean="0"/>
-              <a:t> Scharnagl</a:t>
+              <a:t> </a:t>
+            </a:r>
+            <a:r>
+              <a:rPr lang="de-DE" sz="1400" baseline="0" dirty="0" smtClean="0"/>
+              <a:t>/ Mehmet</a:t>
             </a:r>
             <a:endParaRPr lang="de-DE" sz="1400" dirty="0"/>
           </a:p>
@@ -2087,7 +2096,11 @@
             <a:pPr algn="r"/>
             <a:r>
               <a:rPr lang="de-DE" sz="1400" dirty="0" smtClean="0"/>
-              <a:t>Dominik Scharnagl</a:t>
+              <a:t>Dominik </a:t>
+            </a:r>
+            <a:r>
+              <a:rPr lang="de-DE" sz="1400" dirty="0" smtClean="0"/>
+              <a:t>/ Mehmet</a:t>
             </a:r>
             <a:endParaRPr lang="de-DE" sz="1400" dirty="0"/>
           </a:p>
@@ -2659,7 +2672,11 @@
             </a:r>
             <a:r>
               <a:rPr lang="de-DE" sz="1400" baseline="0" dirty="0" smtClean="0"/>
-              <a:t> Scharnagl</a:t>
+              <a:t> </a:t>
+            </a:r>
+            <a:r>
+              <a:rPr lang="de-DE" sz="1400" baseline="0" dirty="0" smtClean="0"/>
+              <a:t>/ Mehmet</a:t>
             </a:r>
             <a:endParaRPr lang="de-DE" sz="1400" dirty="0"/>
           </a:p>
@@ -3392,7 +3409,11 @@
             <a:pPr algn="r"/>
             <a:r>
               <a:rPr lang="de-DE" sz="1400" dirty="0" smtClean="0"/>
-              <a:t>Dominik Scharnagl</a:t>
+              <a:t>Dominik </a:t>
+            </a:r>
+            <a:r>
+              <a:rPr lang="de-DE" sz="1400" dirty="0" smtClean="0"/>
+              <a:t>/ Mehmet</a:t>
             </a:r>
             <a:endParaRPr lang="de-DE" sz="1400" dirty="0"/>
           </a:p>
@@ -4078,7 +4099,11 @@
             <a:pPr algn="r"/>
             <a:r>
               <a:rPr lang="de-DE" sz="1400" dirty="0" smtClean="0"/>
-              <a:t>Dominik Scharnagl</a:t>
+              <a:t>Dominik </a:t>
+            </a:r>
+            <a:r>
+              <a:rPr lang="de-DE" sz="1400" dirty="0" smtClean="0"/>
+              <a:t>/ Mehmet</a:t>
             </a:r>
             <a:endParaRPr lang="de-DE" sz="1400" dirty="0"/>
           </a:p>
@@ -4858,7 +4883,11 @@
             <a:pPr algn="r"/>
             <a:r>
               <a:rPr lang="de-DE" sz="1400" dirty="0" smtClean="0"/>
-              <a:t>Dominik Scharnagl</a:t>
+              <a:t>Dominik </a:t>
+            </a:r>
+            <a:r>
+              <a:rPr lang="de-DE" sz="1400" dirty="0" smtClean="0"/>
+              <a:t>/ Mehmet</a:t>
             </a:r>
             <a:endParaRPr lang="de-DE" sz="1400" dirty="0"/>
           </a:p>
@@ -5591,7 +5620,11 @@
             <a:pPr algn="r"/>
             <a:r>
               <a:rPr lang="de-DE" sz="1400" dirty="0" smtClean="0"/>
-              <a:t>Dominik Scharnagl</a:t>
+              <a:t>Dominik </a:t>
+            </a:r>
+            <a:r>
+              <a:rPr lang="de-DE" sz="1400" dirty="0" smtClean="0"/>
+              <a:t>/ Mehmet</a:t>
             </a:r>
             <a:endParaRPr lang="de-DE" sz="1400" dirty="0"/>
           </a:p>
@@ -7190,7 +7223,7 @@
           <a:p>
             <a:r>
               <a:rPr lang="de-DE" sz="1800" dirty="0" smtClean="0"/>
-              <a:t>Controller-seitig: eZ430-Chronos</a:t>
+              <a:t>Controller-seitig: XBOX 360 USB Controller</a:t>
             </a:r>
             <a:endParaRPr lang="de-DE" sz="1800" dirty="0"/>
           </a:p>
@@ -7228,7 +7261,7 @@
         <p:spPr>
           <a:xfrm>
             <a:off x="255659" y="1507830"/>
-            <a:ext cx="5923760" cy="4524315"/>
+            <a:ext cx="5923760" cy="3970318"/>
           </a:xfrm>
           <a:prstGeom prst="rect">
             <a:avLst/>
@@ -7265,7 +7298,7 @@
             </a:pPr>
             <a:r>
               <a:rPr lang="de-DE" dirty="0" smtClean="0"/>
-              <a:t>Funktionsweise: generischer USB Treiber</a:t>
+              <a:t>Funktionsweise: „XBOXUSB“ Treiber</a:t>
             </a:r>
           </a:p>
           <a:p>
@@ -7274,12 +7307,8 @@
               <a:buChar char="•"/>
             </a:pPr>
             <a:r>
-              <a:rPr lang="de-DE" dirty="0"/>
+              <a:rPr lang="de-DE" dirty="0" smtClean="0"/>
               <a:t>Verkabelung: über USB </a:t>
-            </a:r>
-            <a:r>
-              <a:rPr lang="de-DE" dirty="0" smtClean="0"/>
-              <a:t>Host </a:t>
             </a:r>
             <a:r>
               <a:rPr lang="de-DE" dirty="0" err="1" smtClean="0"/>
@@ -7287,11 +7316,7 @@
             </a:r>
             <a:r>
               <a:rPr lang="de-DE" dirty="0" smtClean="0"/>
-              <a:t> </a:t>
-            </a:r>
-            <a:r>
-              <a:rPr lang="de-DE" dirty="0"/>
-              <a:t>auf Arduino</a:t>
+              <a:t> auf Arduino</a:t>
             </a:r>
           </a:p>
           <a:p>
@@ -7308,7 +7333,7 @@
             </a:pPr>
             <a:r>
               <a:rPr lang="de-DE" dirty="0" smtClean="0"/>
-              <a:t>Verbindung (Arduino zum Access Point)</a:t>
+              <a:t>Steuerung (mit Sticks): im Bereich -32.768 bis 32.768</a:t>
             </a:r>
           </a:p>
           <a:p>
@@ -7318,13 +7343,7 @@
             </a:pPr>
             <a:r>
               <a:rPr lang="de-DE" dirty="0" smtClean="0"/>
-              <a:t>Protokoll</a:t>
-            </a:r>
-            <a:r>
-              <a:rPr lang="de-DE" dirty="0" smtClean="0">
-                <a:sym typeface="Wingdings"/>
-              </a:rPr>
-              <a:t>: Serial Binary Commands</a:t>
+              <a:t>negativer Wert = links lenken / rückwärts fahren</a:t>
             </a:r>
           </a:p>
           <a:p>
@@ -7333,58 +7352,45 @@
               <a:buChar char="•"/>
             </a:pPr>
             <a:r>
-              <a:rPr lang="de-DE" dirty="0" smtClean="0">
-                <a:sym typeface="Wingdings"/>
-              </a:rPr>
-              <a:t>Befehle zum</a:t>
-            </a:r>
-          </a:p>
-          <a:p>
-            <a:pPr marL="1200150" lvl="2" indent="-285750">
+              <a:rPr lang="de-DE" dirty="0" smtClean="0"/>
+              <a:t>positiver Wert = rechts lenken / vorwärts fahren</a:t>
+            </a:r>
+          </a:p>
+          <a:p>
+            <a:pPr marL="742950" lvl="1" indent="-285750">
               <a:buFont typeface="Arial" charset="0"/>
               <a:buChar char="•"/>
             </a:pPr>
             <a:r>
-              <a:rPr lang="de-DE" dirty="0" smtClean="0">
-                <a:sym typeface="Wingdings"/>
-              </a:rPr>
-              <a:t>Aktivieren / Deaktivieren des Access Points</a:t>
-            </a:r>
-          </a:p>
-          <a:p>
-            <a:pPr marL="1200150" lvl="2" indent="-285750">
+              <a:rPr lang="de-DE" dirty="0" smtClean="0"/>
+              <a:t>Steuerwert für Lenkung: (LS_X / 32.768)</a:t>
+            </a:r>
+          </a:p>
+          <a:p>
+            <a:pPr marL="742950" lvl="1" indent="-285750">
               <a:buFont typeface="Arial" charset="0"/>
               <a:buChar char="•"/>
             </a:pPr>
             <a:r>
-              <a:rPr lang="de-DE" dirty="0" smtClean="0">
-                <a:sym typeface="Wingdings"/>
-              </a:rPr>
-              <a:t>Abfragen des Status und der Steuerdaten</a:t>
-            </a:r>
-            <a:endParaRPr lang="de-DE" dirty="0">
-              <a:sym typeface="Wingdings"/>
-            </a:endParaRPr>
+              <a:rPr lang="de-DE" dirty="0" smtClean="0"/>
+              <a:t>Steuerwert für Beschleunigung: (RS_Y / 32.768)</a:t>
+            </a:r>
+          </a:p>
+          <a:p>
+            <a:pPr marL="742950" lvl="1" indent="-285750">
+              <a:buFont typeface="Arial" charset="0"/>
+              <a:buChar char="•"/>
+            </a:pPr>
+            <a:endParaRPr lang="de-DE" dirty="0" smtClean="0"/>
           </a:p>
           <a:p>
             <a:pPr marL="285750" indent="-285750">
               <a:buFont typeface="Arial" charset="0"/>
               <a:buChar char="•"/>
             </a:pPr>
-            <a:endParaRPr lang="de-DE" dirty="0">
-              <a:sym typeface="Wingdings"/>
-            </a:endParaRPr>
-          </a:p>
-          <a:p>
-            <a:pPr marL="285750" indent="-285750">
-              <a:buFont typeface="Arial" charset="0"/>
-              <a:buChar char="•"/>
-            </a:pPr>
-            <a:r>
-              <a:rPr lang="de-DE" dirty="0" smtClean="0">
-                <a:sym typeface="Wingdings"/>
-              </a:rPr>
-              <a:t>Verbindung (Access Point zu Watches)</a:t>
+            <a:r>
+              <a:rPr lang="de-DE" dirty="0" smtClean="0"/>
+              <a:t>Steuerung (mit Trigger): im Bereich 0 bis 255</a:t>
             </a:r>
           </a:p>
           <a:p>
@@ -7393,22 +7399,16 @@
               <a:buChar char="•"/>
             </a:pPr>
             <a:r>
-              <a:rPr lang="de-DE" dirty="0" smtClean="0">
-                <a:sym typeface="Wingdings"/>
-              </a:rPr>
-              <a:t>Protokoll: </a:t>
-            </a:r>
-            <a:r>
-              <a:rPr lang="de-DE" dirty="0" err="1" smtClean="0">
-                <a:sym typeface="Wingdings"/>
-              </a:rPr>
-              <a:t>SimpliciTI</a:t>
-            </a:r>
-            <a:r>
-              <a:rPr lang="de-DE" dirty="0" smtClean="0">
-                <a:sym typeface="Wingdings"/>
-              </a:rPr>
-              <a:t> über 868 MHz</a:t>
+              <a:rPr lang="de-DE" dirty="0" smtClean="0"/>
+              <a:t>bei </a:t>
+            </a:r>
+            <a:r>
+              <a:rPr lang="de-DE" dirty="0" smtClean="0"/>
+              <a:t>linkem </a:t>
+            </a:r>
+            <a:r>
+              <a:rPr lang="de-DE" dirty="0" smtClean="0"/>
+              <a:t>Trigger: Rückwärts fahren</a:t>
             </a:r>
           </a:p>
           <a:p>
@@ -7417,58 +7417,39 @@
               <a:buChar char="•"/>
             </a:pPr>
             <a:r>
-              <a:rPr lang="de-DE" dirty="0" smtClean="0">
-                <a:sym typeface="Wingdings"/>
-              </a:rPr>
-              <a:t>Steuerdaten</a:t>
-            </a:r>
-          </a:p>
-          <a:p>
-            <a:pPr marL="1200150" lvl="2" indent="-285750">
+              <a:rPr lang="de-DE" dirty="0" smtClean="0"/>
+              <a:t>bei </a:t>
+            </a:r>
+            <a:r>
+              <a:rPr lang="de-DE" dirty="0" smtClean="0"/>
+              <a:t>rechtem </a:t>
+            </a:r>
+            <a:r>
+              <a:rPr lang="de-DE" dirty="0" smtClean="0"/>
+              <a:t>Trigger: Vorwärts fahren</a:t>
+            </a:r>
+          </a:p>
+          <a:p>
+            <a:pPr marL="742950" lvl="1" indent="-285750">
               <a:buFont typeface="Arial" charset="0"/>
               <a:buChar char="•"/>
             </a:pPr>
             <a:r>
-              <a:rPr lang="de-DE" dirty="0" smtClean="0">
-                <a:sym typeface="Wingdings"/>
-              </a:rPr>
-              <a:t>Accelerator Daten (X, Y, Z)</a:t>
-            </a:r>
-          </a:p>
-          <a:p>
-            <a:pPr marL="1200150" lvl="2" indent="-285750">
-              <a:buFont typeface="Arial" charset="0"/>
-              <a:buChar char="•"/>
-            </a:pPr>
-            <a:r>
-              <a:rPr lang="de-DE" dirty="0" smtClean="0">
-                <a:sym typeface="Wingdings"/>
-              </a:rPr>
-              <a:t>Button ID  Tastenbefehl</a:t>
-            </a:r>
-          </a:p>
-          <a:p>
-            <a:pPr marL="1200150" lvl="2" indent="-285750">
-              <a:buFont typeface="Arial" charset="0"/>
-              <a:buChar char="•"/>
-            </a:pPr>
-            <a:r>
-              <a:rPr lang="de-DE" dirty="0" smtClean="0">
-                <a:sym typeface="Wingdings"/>
-              </a:rPr>
-              <a:t>Control ID  Steuermodus</a:t>
-            </a:r>
-            <a:endParaRPr lang="de-DE" dirty="0" smtClean="0"/>
+              <a:rPr lang="de-DE" dirty="0" smtClean="0"/>
+              <a:t>Steuerwert für Beschleunigung: (-LT + RT) / 255</a:t>
+            </a:r>
           </a:p>
         </p:txBody>
       </p:sp>
       <p:pic>
         <p:nvPicPr>
-          <p:cNvPr id="2" name="Bild 1"/>
+          <p:cNvPr id="7" name="Inhaltsplatzhalter 4"/>
           <p:cNvPicPr>
-            <a:picLocks noChangeAspect="1"/>
+            <a:picLocks noGrp="1" noChangeAspect="1"/>
           </p:cNvPicPr>
-          <p:nvPr/>
+          <p:nvPr>
+            <p:ph idx="1"/>
+          </p:nvPr>
         </p:nvPicPr>
         <p:blipFill>
           <a:blip r:embed="rId2">
@@ -7484,8 +7465,8 @@
         </p:blipFill>
         <p:spPr>
           <a:xfrm>
-            <a:off x="5786795" y="1497430"/>
-            <a:ext cx="1637488" cy="1498127"/>
+            <a:off x="6251971" y="1507830"/>
+            <a:ext cx="2227886" cy="1576540"/>
           </a:xfrm>
           <a:prstGeom prst="rect">
             <a:avLst/>
@@ -7504,7 +7485,7 @@
       </p:pic>
       <p:pic>
         <p:nvPicPr>
-          <p:cNvPr id="6" name="Bild 5"/>
+          <p:cNvPr id="5" name="Bild 4"/>
           <p:cNvPicPr>
             <a:picLocks noChangeAspect="1"/>
           </p:cNvPicPr>
@@ -7524,8 +7505,8 @@
         </p:blipFill>
         <p:spPr>
           <a:xfrm>
-            <a:off x="7902696" y="1337977"/>
-            <a:ext cx="1020960" cy="1676623"/>
+            <a:off x="6949959" y="3639147"/>
+            <a:ext cx="831908" cy="399316"/>
           </a:xfrm>
           <a:prstGeom prst="rect">
             <a:avLst/>
@@ -7544,7 +7525,7 @@
       </p:pic>
       <p:pic>
         <p:nvPicPr>
-          <p:cNvPr id="13" name="Bild 12"/>
+          <p:cNvPr id="8" name="Bild 7"/>
           <p:cNvPicPr>
             <a:picLocks noChangeAspect="1"/>
           </p:cNvPicPr>
@@ -7572,50 +7553,10 @@
           </a:prstGeom>
         </p:spPr>
       </p:pic>
-      <p:pic>
-        <p:nvPicPr>
-          <p:cNvPr id="14" name="Bild 13"/>
-          <p:cNvPicPr>
-            <a:picLocks noChangeAspect="1"/>
-          </p:cNvPicPr>
-          <p:nvPr/>
-        </p:nvPicPr>
-        <p:blipFill>
-          <a:blip r:embed="rId5">
-            <a:extLst>
-              <a:ext uri="{28A0092B-C50C-407E-A947-70E740481C1C}">
-                <a14:useLocalDpi xmlns:a14="http://schemas.microsoft.com/office/drawing/2010/main" val="0"/>
-              </a:ext>
-            </a:extLst>
-          </a:blip>
-          <a:stretch>
-            <a:fillRect/>
-          </a:stretch>
-        </p:blipFill>
-        <p:spPr>
-          <a:xfrm>
-            <a:off x="6949959" y="3639147"/>
-            <a:ext cx="831908" cy="399316"/>
-          </a:xfrm>
-          <a:prstGeom prst="rect">
-            <a:avLst/>
-          </a:prstGeom>
-          <a:ln>
-            <a:noFill/>
-          </a:ln>
-          <a:effectLst>
-            <a:outerShdw blurRad="152400" dist="88900" dir="4140000" sx="104000" sy="104000" algn="tl" rotWithShape="0">
-              <a:srgbClr val="333333">
-                <a:alpha val="42000"/>
-              </a:srgbClr>
-            </a:outerShdw>
-          </a:effectLst>
-        </p:spPr>
-      </p:pic>
     </p:spTree>
     <p:extLst>
       <p:ext uri="{BB962C8B-B14F-4D97-AF65-F5344CB8AC3E}">
-        <p14:creationId xmlns:p14="http://schemas.microsoft.com/office/powerpoint/2010/main" val="174575625"/>
+        <p14:creationId xmlns:p14="http://schemas.microsoft.com/office/powerpoint/2010/main" val="78149977"/>
       </p:ext>
     </p:extLst>
   </p:cSld>
@@ -7666,13 +7607,21 @@
           <a:p>
             <a:r>
               <a:rPr lang="de-DE" dirty="0" smtClean="0"/>
-              <a:t>Integration aller Komponenten</a:t>
+              <a:t>Steuerung</a:t>
+            </a:r>
+            <a:r>
+              <a:rPr lang="mr-IN" dirty="0"/>
+              <a:t> – </a:t>
+            </a:r>
+            <a:r>
+              <a:rPr lang="de-DE" dirty="0" smtClean="0"/>
+              <a:t>Implementierung</a:t>
             </a:r>
           </a:p>
           <a:p>
             <a:r>
               <a:rPr lang="de-DE" sz="1800" dirty="0" smtClean="0"/>
-              <a:t>Hardware-technisch</a:t>
+              <a:t>Controller-seitig: eZ430-Chronos</a:t>
             </a:r>
             <a:endParaRPr lang="de-DE" sz="1800" dirty="0"/>
           </a:p>
@@ -7703,14 +7652,14 @@
       </p:sp>
       <p:sp>
         <p:nvSpPr>
-          <p:cNvPr id="10" name="Textfeld 9"/>
+          <p:cNvPr id="39" name="Textfeld 38"/>
           <p:cNvSpPr txBox="1"/>
           <p:nvPr/>
         </p:nvSpPr>
         <p:spPr>
           <a:xfrm>
-            <a:off x="673768" y="3291840"/>
-            <a:ext cx="1931876" cy="369332"/>
+            <a:off x="255659" y="1507830"/>
+            <a:ext cx="5923760" cy="4524315"/>
           </a:xfrm>
           <a:prstGeom prst="rect">
             <a:avLst/>
@@ -7718,22 +7667,235 @@
           <a:noFill/>
         </p:spPr>
         <p:txBody>
-          <a:bodyPr wrap="none" rtlCol="0">
+          <a:bodyPr wrap="square" rtlCol="0">
             <a:spAutoFit/>
           </a:bodyPr>
           <a:lstStyle/>
           <a:p>
+            <a:pPr marL="285750" indent="-285750">
+              <a:buFont typeface="Arial" charset="0"/>
+              <a:buChar char="•"/>
+            </a:pPr>
             <a:r>
               <a:rPr lang="de-DE" dirty="0" smtClean="0"/>
-              <a:t>TODO + Schaltplan</a:t>
-            </a:r>
-            <a:endParaRPr lang="de-DE" dirty="0"/>
+              <a:t>Ansteuerung: USB Host </a:t>
+            </a:r>
+            <a:r>
+              <a:rPr lang="de-DE" dirty="0" err="1" smtClean="0"/>
+              <a:t>Shield</a:t>
+            </a:r>
+            <a:r>
+              <a:rPr lang="de-DE" dirty="0" smtClean="0"/>
+              <a:t> Library 2.0</a:t>
+            </a:r>
+          </a:p>
+          <a:p>
+            <a:pPr marL="285750" indent="-285750">
+              <a:buFont typeface="Arial" charset="0"/>
+              <a:buChar char="•"/>
+            </a:pPr>
+            <a:r>
+              <a:rPr lang="de-DE" dirty="0" smtClean="0"/>
+              <a:t>Funktionsweise: generischer USB Treiber</a:t>
+            </a:r>
+          </a:p>
+          <a:p>
+            <a:pPr marL="285750" indent="-285750">
+              <a:buFont typeface="Arial" charset="0"/>
+              <a:buChar char="•"/>
+            </a:pPr>
+            <a:r>
+              <a:rPr lang="de-DE" dirty="0"/>
+              <a:t>Verkabelung: über USB </a:t>
+            </a:r>
+            <a:r>
+              <a:rPr lang="de-DE" dirty="0" smtClean="0"/>
+              <a:t>Host </a:t>
+            </a:r>
+            <a:r>
+              <a:rPr lang="de-DE" dirty="0" err="1" smtClean="0"/>
+              <a:t>Shield</a:t>
+            </a:r>
+            <a:r>
+              <a:rPr lang="de-DE" dirty="0" smtClean="0"/>
+              <a:t> </a:t>
+            </a:r>
+            <a:r>
+              <a:rPr lang="de-DE" dirty="0"/>
+              <a:t>auf Arduino</a:t>
+            </a:r>
+          </a:p>
+          <a:p>
+            <a:pPr marL="285750" indent="-285750">
+              <a:buFont typeface="Arial" charset="0"/>
+              <a:buChar char="•"/>
+            </a:pPr>
+            <a:endParaRPr lang="de-DE" dirty="0" smtClean="0"/>
+          </a:p>
+          <a:p>
+            <a:pPr marL="285750" indent="-285750">
+              <a:buFont typeface="Arial" charset="0"/>
+              <a:buChar char="•"/>
+            </a:pPr>
+            <a:r>
+              <a:rPr lang="de-DE" dirty="0" smtClean="0"/>
+              <a:t>Verbindung (Arduino zum Access Point)</a:t>
+            </a:r>
+          </a:p>
+          <a:p>
+            <a:pPr marL="742950" lvl="1" indent="-285750">
+              <a:buFont typeface="Arial" charset="0"/>
+              <a:buChar char="•"/>
+            </a:pPr>
+            <a:r>
+              <a:rPr lang="de-DE" dirty="0" smtClean="0"/>
+              <a:t>Protokoll</a:t>
+            </a:r>
+            <a:r>
+              <a:rPr lang="de-DE" dirty="0" smtClean="0">
+                <a:sym typeface="Wingdings"/>
+              </a:rPr>
+              <a:t>: Serial Binary Commands</a:t>
+            </a:r>
+          </a:p>
+          <a:p>
+            <a:pPr marL="742950" lvl="1" indent="-285750">
+              <a:buFont typeface="Arial" charset="0"/>
+              <a:buChar char="•"/>
+            </a:pPr>
+            <a:r>
+              <a:rPr lang="de-DE" dirty="0" smtClean="0">
+                <a:sym typeface="Wingdings"/>
+              </a:rPr>
+              <a:t>Befehle zum</a:t>
+            </a:r>
+          </a:p>
+          <a:p>
+            <a:pPr marL="1200150" lvl="2" indent="-285750">
+              <a:buFont typeface="Arial" charset="0"/>
+              <a:buChar char="•"/>
+            </a:pPr>
+            <a:r>
+              <a:rPr lang="de-DE" dirty="0" smtClean="0">
+                <a:sym typeface="Wingdings"/>
+              </a:rPr>
+              <a:t>Aktivieren / Deaktivieren des Access Points</a:t>
+            </a:r>
+          </a:p>
+          <a:p>
+            <a:pPr marL="1200150" lvl="2" indent="-285750">
+              <a:buFont typeface="Arial" charset="0"/>
+              <a:buChar char="•"/>
+            </a:pPr>
+            <a:r>
+              <a:rPr lang="de-DE" dirty="0" smtClean="0">
+                <a:sym typeface="Wingdings"/>
+              </a:rPr>
+              <a:t>Abfragen des Status und der Steuerdaten</a:t>
+            </a:r>
+            <a:endParaRPr lang="de-DE" dirty="0">
+              <a:sym typeface="Wingdings"/>
+            </a:endParaRPr>
+          </a:p>
+          <a:p>
+            <a:pPr marL="285750" indent="-285750">
+              <a:buFont typeface="Arial" charset="0"/>
+              <a:buChar char="•"/>
+            </a:pPr>
+            <a:endParaRPr lang="de-DE" dirty="0">
+              <a:sym typeface="Wingdings"/>
+            </a:endParaRPr>
+          </a:p>
+          <a:p>
+            <a:pPr marL="285750" indent="-285750">
+              <a:buFont typeface="Arial" charset="0"/>
+              <a:buChar char="•"/>
+            </a:pPr>
+            <a:r>
+              <a:rPr lang="de-DE" dirty="0" smtClean="0">
+                <a:sym typeface="Wingdings"/>
+              </a:rPr>
+              <a:t>Verbindung (Access Point zu Watches)</a:t>
+            </a:r>
+          </a:p>
+          <a:p>
+            <a:pPr marL="742950" lvl="1" indent="-285750">
+              <a:buFont typeface="Arial" charset="0"/>
+              <a:buChar char="•"/>
+            </a:pPr>
+            <a:r>
+              <a:rPr lang="de-DE" dirty="0" smtClean="0">
+                <a:sym typeface="Wingdings"/>
+              </a:rPr>
+              <a:t>Protokoll: </a:t>
+            </a:r>
+            <a:r>
+              <a:rPr lang="de-DE" dirty="0" err="1" smtClean="0">
+                <a:sym typeface="Wingdings"/>
+              </a:rPr>
+              <a:t>SimpliciTI</a:t>
+            </a:r>
+            <a:r>
+              <a:rPr lang="de-DE" dirty="0" smtClean="0">
+                <a:sym typeface="Wingdings"/>
+              </a:rPr>
+              <a:t> über 868 MHz</a:t>
+            </a:r>
+          </a:p>
+          <a:p>
+            <a:pPr marL="742950" lvl="1" indent="-285750">
+              <a:buFont typeface="Arial" charset="0"/>
+              <a:buChar char="•"/>
+            </a:pPr>
+            <a:r>
+              <a:rPr lang="de-DE" dirty="0" smtClean="0">
+                <a:sym typeface="Wingdings"/>
+              </a:rPr>
+              <a:t>Steuerdaten</a:t>
+            </a:r>
+          </a:p>
+          <a:p>
+            <a:pPr marL="1200150" lvl="2" indent="-285750">
+              <a:buFont typeface="Arial" charset="0"/>
+              <a:buChar char="•"/>
+            </a:pPr>
+            <a:r>
+              <a:rPr lang="de-DE" dirty="0" smtClean="0">
+                <a:sym typeface="Wingdings"/>
+              </a:rPr>
+              <a:t>Accelerator Daten (X, Y, Z)</a:t>
+            </a:r>
+          </a:p>
+          <a:p>
+            <a:pPr marL="1200150" lvl="2" indent="-285750">
+              <a:buFont typeface="Arial" charset="0"/>
+              <a:buChar char="•"/>
+            </a:pPr>
+            <a:r>
+              <a:rPr lang="de-DE" dirty="0" smtClean="0">
+                <a:sym typeface="Wingdings"/>
+              </a:rPr>
+              <a:t>Button ID  Tastenbefehl</a:t>
+            </a:r>
+          </a:p>
+          <a:p>
+            <a:pPr marL="1200150" lvl="2" indent="-285750">
+              <a:buFont typeface="Arial" charset="0"/>
+              <a:buChar char="•"/>
+            </a:pPr>
+            <a:r>
+              <a:rPr lang="de-DE" dirty="0" smtClean="0">
+                <a:sym typeface="Wingdings"/>
+              </a:rPr>
+              <a:t>Control ID  Steuermodus</a:t>
+            </a:r>
+            <a:endParaRPr lang="de-DE" dirty="0" smtClean="0"/>
           </a:p>
         </p:txBody>
       </p:sp>
       <p:pic>
         <p:nvPicPr>
-          <p:cNvPr id="6" name="Bild 5"/>
+          <p:cNvPr id="2" name="Bild 1"/>
           <p:cNvPicPr>
             <a:picLocks noChangeAspect="1"/>
           </p:cNvPicPr>
@@ -7753,6 +7915,86 @@
         </p:blipFill>
         <p:spPr>
           <a:xfrm>
+            <a:off x="5786795" y="1497430"/>
+            <a:ext cx="1637488" cy="1498127"/>
+          </a:xfrm>
+          <a:prstGeom prst="rect">
+            <a:avLst/>
+          </a:prstGeom>
+          <a:ln>
+            <a:noFill/>
+          </a:ln>
+          <a:effectLst>
+            <a:outerShdw blurRad="152400" dist="88900" dir="4140000" sx="104000" sy="104000" algn="tl" rotWithShape="0">
+              <a:srgbClr val="333333">
+                <a:alpha val="42000"/>
+              </a:srgbClr>
+            </a:outerShdw>
+          </a:effectLst>
+        </p:spPr>
+      </p:pic>
+      <p:pic>
+        <p:nvPicPr>
+          <p:cNvPr id="6" name="Bild 5"/>
+          <p:cNvPicPr>
+            <a:picLocks noChangeAspect="1"/>
+          </p:cNvPicPr>
+          <p:nvPr/>
+        </p:nvPicPr>
+        <p:blipFill>
+          <a:blip r:embed="rId3">
+            <a:extLst>
+              <a:ext uri="{28A0092B-C50C-407E-A947-70E740481C1C}">
+                <a14:useLocalDpi xmlns:a14="http://schemas.microsoft.com/office/drawing/2010/main" val="0"/>
+              </a:ext>
+            </a:extLst>
+          </a:blip>
+          <a:stretch>
+            <a:fillRect/>
+          </a:stretch>
+        </p:blipFill>
+        <p:spPr>
+          <a:xfrm>
+            <a:off x="7902696" y="1337977"/>
+            <a:ext cx="1020960" cy="1676623"/>
+          </a:xfrm>
+          <a:prstGeom prst="rect">
+            <a:avLst/>
+          </a:prstGeom>
+          <a:ln>
+            <a:noFill/>
+          </a:ln>
+          <a:effectLst>
+            <a:outerShdw blurRad="152400" dist="88900" dir="4140000" sx="104000" sy="104000" algn="tl" rotWithShape="0">
+              <a:srgbClr val="333333">
+                <a:alpha val="42000"/>
+              </a:srgbClr>
+            </a:outerShdw>
+          </a:effectLst>
+        </p:spPr>
+      </p:pic>
+      <p:pic>
+        <p:nvPicPr>
+          <p:cNvPr id="13" name="Bild 12"/>
+          <p:cNvPicPr>
+            <a:picLocks noChangeAspect="1"/>
+          </p:cNvPicPr>
+          <p:nvPr/>
+        </p:nvPicPr>
+        <p:blipFill>
+          <a:blip r:embed="rId4">
+            <a:extLst>
+              <a:ext uri="{28A0092B-C50C-407E-A947-70E740481C1C}">
+                <a14:useLocalDpi xmlns:a14="http://schemas.microsoft.com/office/drawing/2010/main" val="0"/>
+              </a:ext>
+            </a:extLst>
+          </a:blip>
+          <a:stretch>
+            <a:fillRect/>
+          </a:stretch>
+        </p:blipFill>
+        <p:spPr>
+          <a:xfrm>
             <a:off x="6107584" y="4698912"/>
             <a:ext cx="2633397" cy="1343633"/>
           </a:xfrm>
@@ -7761,6 +8003,165 @@
           </a:prstGeom>
         </p:spPr>
       </p:pic>
+      <p:pic>
+        <p:nvPicPr>
+          <p:cNvPr id="14" name="Bild 13"/>
+          <p:cNvPicPr>
+            <a:picLocks noChangeAspect="1"/>
+          </p:cNvPicPr>
+          <p:nvPr/>
+        </p:nvPicPr>
+        <p:blipFill>
+          <a:blip r:embed="rId5">
+            <a:extLst>
+              <a:ext uri="{28A0092B-C50C-407E-A947-70E740481C1C}">
+                <a14:useLocalDpi xmlns:a14="http://schemas.microsoft.com/office/drawing/2010/main" val="0"/>
+              </a:ext>
+            </a:extLst>
+          </a:blip>
+          <a:stretch>
+            <a:fillRect/>
+          </a:stretch>
+        </p:blipFill>
+        <p:spPr>
+          <a:xfrm>
+            <a:off x="6949959" y="3639147"/>
+            <a:ext cx="831908" cy="399316"/>
+          </a:xfrm>
+          <a:prstGeom prst="rect">
+            <a:avLst/>
+          </a:prstGeom>
+          <a:ln>
+            <a:noFill/>
+          </a:ln>
+          <a:effectLst>
+            <a:outerShdw blurRad="152400" dist="88900" dir="4140000" sx="104000" sy="104000" algn="tl" rotWithShape="0">
+              <a:srgbClr val="333333">
+                <a:alpha val="42000"/>
+              </a:srgbClr>
+            </a:outerShdw>
+          </a:effectLst>
+        </p:spPr>
+      </p:pic>
+    </p:spTree>
+    <p:extLst>
+      <p:ext uri="{BB962C8B-B14F-4D97-AF65-F5344CB8AC3E}">
+        <p14:creationId xmlns:p14="http://schemas.microsoft.com/office/powerpoint/2010/main" val="174575625"/>
+      </p:ext>
+    </p:extLst>
+  </p:cSld>
+  <p:clrMapOvr>
+    <a:masterClrMapping/>
+  </p:clrMapOvr>
+  <p:timing>
+    <p:tnLst>
+      <p:par>
+        <p:cTn id="1" dur="indefinite" restart="never" nodeType="tmRoot"/>
+      </p:par>
+    </p:tnLst>
+  </p:timing>
+</p:sld>
+</file>
+
+<file path=ppt/slides/slide12.xml><?xml version="1.0" encoding="utf-8"?>
+<p:sld xmlns:a="http://schemas.openxmlformats.org/drawingml/2006/main" xmlns:r="http://schemas.openxmlformats.org/officeDocument/2006/relationships" xmlns:p="http://schemas.openxmlformats.org/presentationml/2006/main">
+  <p:cSld>
+    <p:spTree>
+      <p:nvGrpSpPr>
+        <p:cNvPr id="1" name=""/>
+        <p:cNvGrpSpPr/>
+        <p:nvPr/>
+      </p:nvGrpSpPr>
+      <p:grpSpPr>
+        <a:xfrm>
+          <a:off x="0" y="0"/>
+          <a:ext cx="0" cy="0"/>
+          <a:chOff x="0" y="0"/>
+          <a:chExt cx="0" cy="0"/>
+        </a:xfrm>
+      </p:grpSpPr>
+      <p:sp>
+        <p:nvSpPr>
+          <p:cNvPr id="3" name="Inhaltsplatzhalter 2"/>
+          <p:cNvSpPr>
+            <a:spLocks noGrp="1"/>
+          </p:cNvSpPr>
+          <p:nvPr>
+            <p:ph sz="quarter" idx="13"/>
+          </p:nvPr>
+        </p:nvSpPr>
+        <p:spPr/>
+        <p:txBody>
+          <a:bodyPr/>
+          <a:lstStyle/>
+          <a:p>
+            <a:r>
+              <a:rPr lang="de-DE" dirty="0" smtClean="0"/>
+              <a:t>Integration aller Komponenten</a:t>
+            </a:r>
+          </a:p>
+          <a:p>
+            <a:r>
+              <a:rPr lang="de-DE" sz="1800" dirty="0" smtClean="0"/>
+              <a:t>Hardware-technisch</a:t>
+            </a:r>
+            <a:endParaRPr lang="de-DE" sz="1800" dirty="0"/>
+          </a:p>
+        </p:txBody>
+      </p:sp>
+      <p:sp>
+        <p:nvSpPr>
+          <p:cNvPr id="4" name="Fußzeilenplatzhalter 3"/>
+          <p:cNvSpPr>
+            <a:spLocks noGrp="1"/>
+          </p:cNvSpPr>
+          <p:nvPr>
+            <p:ph type="ftr" sz="quarter" idx="3"/>
+          </p:nvPr>
+        </p:nvSpPr>
+        <p:spPr/>
+        <p:txBody>
+          <a:bodyPr/>
+          <a:lstStyle/>
+          <a:p>
+            <a:r>
+              <a:rPr lang="de-DE" smtClean="0"/>
+              <a:t>Datenverarbeitung in der Technik</a:t>
+            </a:r>
+            <a:endParaRPr lang="de-DE" dirty="0"/>
+          </a:p>
+        </p:txBody>
+      </p:sp>
+      <p:sp>
+        <p:nvSpPr>
+          <p:cNvPr id="10" name="Textfeld 9"/>
+          <p:cNvSpPr txBox="1"/>
+          <p:nvPr/>
+        </p:nvSpPr>
+        <p:spPr>
+          <a:xfrm>
+            <a:off x="673768" y="3291840"/>
+            <a:ext cx="1931876" cy="369332"/>
+          </a:xfrm>
+          <a:prstGeom prst="rect">
+            <a:avLst/>
+          </a:prstGeom>
+          <a:noFill/>
+        </p:spPr>
+        <p:txBody>
+          <a:bodyPr wrap="none" rtlCol="0">
+            <a:spAutoFit/>
+          </a:bodyPr>
+          <a:lstStyle/>
+          <a:p>
+            <a:r>
+              <a:rPr lang="de-DE" dirty="0" smtClean="0"/>
+              <a:t>TODO + Schaltplan</a:t>
+            </a:r>
+            <a:endParaRPr lang="de-DE" dirty="0"/>
+          </a:p>
+        </p:txBody>
+      </p:sp>
     </p:spTree>
     <p:extLst>
       <p:ext uri="{BB962C8B-B14F-4D97-AF65-F5344CB8AC3E}">
@@ -7781,7 +8182,7 @@
 </p:sld>
 </file>
 
-<file path=ppt/slides/slide12.xml><?xml version="1.0" encoding="utf-8"?>
+<file path=ppt/slides/slide13.xml><?xml version="1.0" encoding="utf-8"?>
 <p:sld xmlns:a="http://schemas.openxmlformats.org/drawingml/2006/main" xmlns:r="http://schemas.openxmlformats.org/officeDocument/2006/relationships" xmlns:p="http://schemas.openxmlformats.org/presentationml/2006/main">
   <p:cSld>
     <p:spTree>
@@ -8787,7 +9188,7 @@
         <p:spPr>
           <a:xfrm>
             <a:off x="348130" y="1485351"/>
-            <a:ext cx="5460315" cy="4955203"/>
+            <a:ext cx="5460315" cy="4585871"/>
           </a:xfrm>
           <a:prstGeom prst="rect">
             <a:avLst/>
@@ -8931,8 +9332,17 @@
             </a:pPr>
             <a:r>
               <a:rPr lang="de-DE" sz="2000" dirty="0" smtClean="0"/>
-              <a:t>Motor ein- / ausschalten</a:t>
-            </a:r>
+              <a:t>Ein- </a:t>
+            </a:r>
+            <a:r>
+              <a:rPr lang="de-DE" sz="2000" dirty="0" smtClean="0"/>
+              <a:t>/ </a:t>
+            </a:r>
+            <a:r>
+              <a:rPr lang="de-DE" sz="2000" dirty="0" smtClean="0"/>
+              <a:t>Ausschalten des Motors</a:t>
+            </a:r>
+            <a:endParaRPr lang="de-DE" sz="2000" dirty="0" smtClean="0"/>
           </a:p>
           <a:p>
             <a:pPr marL="1200150" lvl="2" indent="-285750">
@@ -8941,14 +9351,8 @@
             </a:pPr>
             <a:r>
               <a:rPr lang="de-DE" sz="2000" dirty="0" smtClean="0"/>
-              <a:t>Hindernis wurde erkannt</a:t>
-            </a:r>
-          </a:p>
-          <a:p>
-            <a:pPr marL="742950" lvl="1" indent="-285750">
-              <a:buFont typeface="Arial" charset="0"/>
-              <a:buChar char="•"/>
-            </a:pPr>
+              <a:t>Erkennen eines Hindernisses</a:t>
+            </a:r>
             <a:endParaRPr lang="de-DE" sz="2400" dirty="0"/>
           </a:p>
         </p:txBody>
@@ -10135,9 +10539,9 @@
         <p:grpSpPr>
           <a:xfrm>
             <a:off x="3972234" y="1863957"/>
-            <a:ext cx="4605976" cy="2524517"/>
+            <a:ext cx="4764674" cy="2524517"/>
             <a:chOff x="3972234" y="1863957"/>
-            <a:chExt cx="4605976" cy="2524517"/>
+            <a:chExt cx="4764674" cy="2524517"/>
           </a:xfrm>
         </p:grpSpPr>
         <p:sp>
@@ -10576,7 +10980,7 @@
           <p:spPr>
             <a:xfrm>
               <a:off x="5652153" y="2258200"/>
-              <a:ext cx="2926057" cy="369332"/>
+              <a:ext cx="3084755" cy="369332"/>
             </a:xfrm>
             <a:prstGeom prst="rect">
               <a:avLst/>
@@ -10591,7 +10995,11 @@
             <a:p>
               <a:r>
                 <a:rPr lang="de-DE" dirty="0" smtClean="0"/>
-                <a:t>aktiver Beschleunigungsmodi</a:t>
+                <a:t>aktiver </a:t>
+              </a:r>
+              <a:r>
+                <a:rPr lang="de-DE" dirty="0" smtClean="0"/>
+                <a:t>Beschleunigungsmodus</a:t>
               </a:r>
               <a:endParaRPr lang="de-DE" dirty="0"/>
             </a:p>
@@ -11365,7 +11773,11 @@
           <a:p>
             <a:r>
               <a:rPr lang="de-DE" sz="3200" dirty="0" smtClean="0"/>
-              <a:t>Standard Beschleunigungsmodus:</a:t>
+              <a:t>Standard-Beschleunigungsmodus</a:t>
+            </a:r>
+            <a:r>
+              <a:rPr lang="de-DE" sz="3200" dirty="0" smtClean="0"/>
+              <a:t>:</a:t>
             </a:r>
           </a:p>
           <a:p>
@@ -12023,12 +12435,25 @@
             </a:pPr>
             <a:r>
               <a:rPr lang="de-DE" sz="2800" dirty="0"/>
-              <a:t>Motor ein- / </a:t>
+              <a:t>E</a:t>
             </a:r>
             <a:r>
               <a:rPr lang="de-DE" sz="2800" dirty="0" smtClean="0"/>
-              <a:t>ausschalten</a:t>
-            </a:r>
+              <a:t>in- </a:t>
+            </a:r>
+            <a:r>
+              <a:rPr lang="de-DE" sz="2800" dirty="0"/>
+              <a:t>/ </a:t>
+            </a:r>
+            <a:r>
+              <a:rPr lang="de-DE" sz="2800" dirty="0"/>
+              <a:t>A</a:t>
+            </a:r>
+            <a:r>
+              <a:rPr lang="de-DE" sz="2800" dirty="0" smtClean="0"/>
+              <a:t>usschalten des Motors</a:t>
+            </a:r>
+            <a:endParaRPr lang="de-DE" sz="2800" dirty="0" smtClean="0"/>
           </a:p>
           <a:p>
             <a:pPr marL="742950" lvl="1" indent="-285750">
@@ -12702,6 +13127,8 @@
                 <a:schemeClr val="bg1"/>
               </a:solidFill>
               <a:prstDash val="sysDash"/>
+              <a:headEnd type="stealth"/>
+              <a:tailEnd type="none"/>
             </a:ln>
           </p:spPr>
           <p:style>
@@ -15016,9 +15443,9 @@
         <p:grpSpPr>
           <a:xfrm>
             <a:off x="525010" y="1801199"/>
-            <a:ext cx="2498990" cy="589729"/>
+            <a:ext cx="2454106" cy="589729"/>
             <a:chOff x="525010" y="1801199"/>
-            <a:chExt cx="2498990" cy="589729"/>
+            <a:chExt cx="2454106" cy="589729"/>
           </a:xfrm>
         </p:grpSpPr>
         <p:sp>
@@ -15084,7 +15511,7 @@
           <p:spPr>
             <a:xfrm>
               <a:off x="1007358" y="1806153"/>
-              <a:ext cx="2016642" cy="584775"/>
+              <a:ext cx="1971758" cy="584775"/>
             </a:xfrm>
             <a:prstGeom prst="rect">
               <a:avLst/>
@@ -15099,15 +15526,38 @@
             <a:p>
               <a:r>
                 <a:rPr lang="de-DE" dirty="0" smtClean="0"/>
-                <a:t>Drehung nach Links</a:t>
+                <a:t>Drehung nach </a:t>
               </a:r>
+              <a:r>
+                <a:rPr lang="de-DE" b="1" dirty="0" smtClean="0"/>
+                <a:t>links</a:t>
+              </a:r>
+              <a:endParaRPr lang="de-DE" b="1" dirty="0" smtClean="0"/>
             </a:p>
             <a:p>
               <a:r>
                 <a:rPr lang="de-DE" sz="1400" dirty="0" smtClean="0">
                   <a:sym typeface="Wingdings"/>
                 </a:rPr>
-                <a:t> nach Links lenken</a:t>
+                <a:t> nach </a:t>
+              </a:r>
+              <a:r>
+                <a:rPr lang="de-DE" sz="1400" b="1" dirty="0" smtClean="0">
+                  <a:sym typeface="Wingdings"/>
+                </a:rPr>
+                <a:t>links</a:t>
+              </a:r>
+              <a:r>
+                <a:rPr lang="de-DE" sz="1400" dirty="0" smtClean="0">
+                  <a:sym typeface="Wingdings"/>
+                </a:rPr>
+                <a:t> </a:t>
+              </a:r>
+              <a:r>
+                <a:rPr lang="de-DE" sz="1400" dirty="0" smtClean="0">
+                  <a:sym typeface="Wingdings"/>
+                </a:rPr>
+                <a:t>lenken</a:t>
               </a:r>
               <a:endParaRPr lang="de-DE" sz="1400" dirty="0"/>
             </a:p>
@@ -15123,9 +15573,9 @@
         <p:grpSpPr>
           <a:xfrm>
             <a:off x="525010" y="2663732"/>
-            <a:ext cx="2655379" cy="589729"/>
+            <a:ext cx="2611392" cy="589729"/>
             <a:chOff x="525010" y="1801199"/>
-            <a:chExt cx="2655379" cy="589729"/>
+            <a:chExt cx="2611392" cy="589729"/>
           </a:xfrm>
         </p:grpSpPr>
         <p:sp>
@@ -15191,7 +15641,7 @@
           <p:spPr>
             <a:xfrm>
               <a:off x="1007358" y="1806153"/>
-              <a:ext cx="2173031" cy="584775"/>
+              <a:ext cx="2129044" cy="584775"/>
             </a:xfrm>
             <a:prstGeom prst="rect">
               <a:avLst/>
@@ -15206,15 +15656,38 @@
             <a:p>
               <a:r>
                 <a:rPr lang="de-DE" dirty="0" smtClean="0"/>
-                <a:t>Drehung nach Rechts</a:t>
+                <a:t>Drehung nach </a:t>
               </a:r>
+              <a:r>
+                <a:rPr lang="de-DE" b="1" dirty="0" smtClean="0"/>
+                <a:t>rechts</a:t>
+              </a:r>
+              <a:endParaRPr lang="de-DE" b="1" dirty="0" smtClean="0"/>
             </a:p>
             <a:p>
               <a:r>
                 <a:rPr lang="de-DE" sz="1400" dirty="0" smtClean="0">
                   <a:sym typeface="Wingdings"/>
                 </a:rPr>
-                <a:t> nach Rechts lenken</a:t>
+                <a:t> nach </a:t>
+              </a:r>
+              <a:r>
+                <a:rPr lang="de-DE" sz="1400" b="1" dirty="0" smtClean="0">
+                  <a:sym typeface="Wingdings"/>
+                </a:rPr>
+                <a:t>rechts</a:t>
+              </a:r>
+              <a:r>
+                <a:rPr lang="de-DE" sz="1400" dirty="0" smtClean="0">
+                  <a:sym typeface="Wingdings"/>
+                </a:rPr>
+                <a:t> </a:t>
+              </a:r>
+              <a:r>
+                <a:rPr lang="de-DE" sz="1400" dirty="0" smtClean="0">
+                  <a:sym typeface="Wingdings"/>
+                </a:rPr>
+                <a:t>lenken</a:t>
               </a:r>
               <a:endParaRPr lang="de-DE" sz="1400" dirty="0"/>
             </a:p>
@@ -15230,9 +15703,9 @@
         <p:grpSpPr>
           <a:xfrm>
             <a:off x="525010" y="3475029"/>
-            <a:ext cx="2595747" cy="589729"/>
+            <a:ext cx="2575934" cy="589729"/>
             <a:chOff x="525010" y="1801199"/>
-            <a:chExt cx="2595747" cy="589729"/>
+            <a:chExt cx="2575934" cy="589729"/>
           </a:xfrm>
         </p:grpSpPr>
         <p:sp>
@@ -15293,7 +15766,7 @@
           <p:spPr>
             <a:xfrm>
               <a:off x="1007358" y="1806153"/>
-              <a:ext cx="2113399" cy="584775"/>
+              <a:ext cx="2093586" cy="584775"/>
             </a:xfrm>
             <a:prstGeom prst="rect">
               <a:avLst/>
@@ -15308,15 +15781,32 @@
             <a:p>
               <a:r>
                 <a:rPr lang="de-DE" dirty="0" smtClean="0"/>
-                <a:t>Drehung nach Vorne</a:t>
+                <a:t>Drehung nach </a:t>
               </a:r>
+              <a:r>
+                <a:rPr lang="de-DE" b="1" dirty="0" smtClean="0"/>
+                <a:t>vorne</a:t>
+              </a:r>
+              <a:endParaRPr lang="de-DE" b="1" dirty="0" smtClean="0"/>
             </a:p>
             <a:p>
               <a:r>
                 <a:rPr lang="de-DE" sz="1400" dirty="0" smtClean="0">
                   <a:sym typeface="Wingdings"/>
                 </a:rPr>
-                <a:t> vorwärts fahren</a:t>
+                <a:t> </a:t>
+              </a:r>
+              <a:r>
+                <a:rPr lang="de-DE" sz="1400" b="1" dirty="0" smtClean="0">
+                  <a:sym typeface="Wingdings"/>
+                </a:rPr>
+                <a:t>vorwärts</a:t>
+              </a:r>
+              <a:r>
+                <a:rPr lang="de-DE" sz="1400" dirty="0" smtClean="0">
+                  <a:sym typeface="Wingdings"/>
+                </a:rPr>
+                <a:t> fahren</a:t>
               </a:r>
               <a:endParaRPr lang="de-DE" sz="1400" dirty="0"/>
             </a:p>
@@ -15415,15 +15905,32 @@
             <a:p>
               <a:r>
                 <a:rPr lang="de-DE" dirty="0" smtClean="0"/>
-                <a:t>Drehung nach Hinten</a:t>
+                <a:t>Drehung nach </a:t>
               </a:r>
+              <a:r>
+                <a:rPr lang="de-DE" b="1" dirty="0" smtClean="0"/>
+                <a:t>hinten</a:t>
+              </a:r>
+              <a:endParaRPr lang="de-DE" b="1" dirty="0" smtClean="0"/>
             </a:p>
             <a:p>
               <a:r>
                 <a:rPr lang="de-DE" sz="1400" dirty="0" smtClean="0">
                   <a:sym typeface="Wingdings"/>
                 </a:rPr>
-                <a:t> bremsen + rückwärts fahren</a:t>
+                <a:t> bremsen + </a:t>
+              </a:r>
+              <a:r>
+                <a:rPr lang="de-DE" sz="1400" b="1" dirty="0" smtClean="0">
+                  <a:sym typeface="Wingdings"/>
+                </a:rPr>
+                <a:t>rückwärts</a:t>
+              </a:r>
+              <a:r>
+                <a:rPr lang="de-DE" sz="1400" dirty="0" smtClean="0">
+                  <a:sym typeface="Wingdings"/>
+                </a:rPr>
+                <a:t> fahren</a:t>
               </a:r>
               <a:endParaRPr lang="de-DE" sz="1400" dirty="0"/>
             </a:p>
@@ -16139,6 +16646,12 @@
               <a:rPr lang="de-DE" dirty="0" smtClean="0"/>
               <a:t>Steuerung</a:t>
             </a:r>
+          </a:p>
+          <a:p>
+            <a:r>
+              <a:rPr lang="de-DE" sz="1800" dirty="0" smtClean="0"/>
+              <a:t>Umsetzung</a:t>
+            </a:r>
             <a:endParaRPr lang="de-DE" sz="1800" dirty="0"/>
           </a:p>
         </p:txBody>
@@ -16166,821 +16679,806 @@
           </a:p>
         </p:txBody>
       </p:sp>
-      <p:grpSp>
-        <p:nvGrpSpPr>
-          <p:cNvPr id="17" name="Gruppierung 16"/>
-          <p:cNvGrpSpPr/>
+      <p:sp>
+        <p:nvSpPr>
+          <p:cNvPr id="18" name="Akkord 17"/>
+          <p:cNvSpPr/>
           <p:nvPr/>
-        </p:nvGrpSpPr>
-        <p:grpSpPr>
+        </p:nvSpPr>
+        <p:spPr>
+          <a:xfrm rot="5853139">
+            <a:off x="7681826" y="2105449"/>
+            <a:ext cx="210728" cy="160737"/>
+          </a:xfrm>
+          <a:prstGeom prst="chord">
+            <a:avLst>
+              <a:gd name="adj1" fmla="val 5471233"/>
+              <a:gd name="adj2" fmla="val 16200000"/>
+            </a:avLst>
+          </a:prstGeom>
+          <a:solidFill>
+            <a:srgbClr val="00B050"/>
+          </a:solidFill>
+          <a:ln>
+            <a:solidFill>
+              <a:schemeClr val="accent6">
+                <a:lumMod val="60000"/>
+                <a:lumOff val="40000"/>
+              </a:schemeClr>
+            </a:solidFill>
+          </a:ln>
+        </p:spPr>
+        <p:style>
+          <a:lnRef idx="2">
+            <a:schemeClr val="accent1">
+              <a:shade val="50000"/>
+            </a:schemeClr>
+          </a:lnRef>
+          <a:fillRef idx="1">
+            <a:schemeClr val="accent1"/>
+          </a:fillRef>
+          <a:effectRef idx="0">
+            <a:schemeClr val="accent1"/>
+          </a:effectRef>
+          <a:fontRef idx="minor">
+            <a:schemeClr val="lt1"/>
+          </a:fontRef>
+        </p:style>
+        <p:txBody>
+          <a:bodyPr rtlCol="0" anchor="ctr"/>
+          <a:lstStyle/>
+          <a:p>
+            <a:pPr algn="ctr"/>
+            <a:endParaRPr lang="de-DE"/>
+          </a:p>
+        </p:txBody>
+      </p:sp>
+      <p:sp>
+        <p:nvSpPr>
+          <p:cNvPr id="19" name="Akkord 18"/>
+          <p:cNvSpPr/>
+          <p:nvPr/>
+        </p:nvSpPr>
+        <p:spPr>
+          <a:xfrm rot="4968192">
+            <a:off x="7385231" y="2100262"/>
+            <a:ext cx="210728" cy="160737"/>
+          </a:xfrm>
+          <a:prstGeom prst="chord">
+            <a:avLst>
+              <a:gd name="adj1" fmla="val 5471233"/>
+              <a:gd name="adj2" fmla="val 16200000"/>
+            </a:avLst>
+          </a:prstGeom>
+          <a:solidFill>
+            <a:srgbClr val="00B050"/>
+          </a:solidFill>
+          <a:ln>
+            <a:solidFill>
+              <a:schemeClr val="accent6">
+                <a:lumMod val="60000"/>
+                <a:lumOff val="40000"/>
+              </a:schemeClr>
+            </a:solidFill>
+          </a:ln>
+        </p:spPr>
+        <p:style>
+          <a:lnRef idx="2">
+            <a:schemeClr val="accent1">
+              <a:shade val="50000"/>
+            </a:schemeClr>
+          </a:lnRef>
+          <a:fillRef idx="1">
+            <a:schemeClr val="accent1"/>
+          </a:fillRef>
+          <a:effectRef idx="0">
+            <a:schemeClr val="accent1"/>
+          </a:effectRef>
+          <a:fontRef idx="minor">
+            <a:schemeClr val="lt1"/>
+          </a:fontRef>
+        </p:style>
+        <p:txBody>
+          <a:bodyPr rtlCol="0" anchor="ctr"/>
+          <a:lstStyle/>
+          <a:p>
+            <a:pPr algn="ctr"/>
+            <a:endParaRPr lang="de-DE"/>
+          </a:p>
+        </p:txBody>
+      </p:sp>
+      <p:sp>
+        <p:nvSpPr>
+          <p:cNvPr id="20" name="Akkord 19"/>
+          <p:cNvSpPr/>
+          <p:nvPr/>
+        </p:nvSpPr>
+        <p:spPr>
+          <a:xfrm rot="16200000">
+            <a:off x="7778273" y="5117624"/>
+            <a:ext cx="210728" cy="160737"/>
+          </a:xfrm>
+          <a:prstGeom prst="chord">
+            <a:avLst>
+              <a:gd name="adj1" fmla="val 5471233"/>
+              <a:gd name="adj2" fmla="val 16200000"/>
+            </a:avLst>
+          </a:prstGeom>
+          <a:solidFill>
+            <a:srgbClr val="FF0000"/>
+          </a:solidFill>
+          <a:ln>
+            <a:solidFill>
+              <a:schemeClr val="accent2">
+                <a:lumMod val="60000"/>
+                <a:lumOff val="40000"/>
+              </a:schemeClr>
+            </a:solidFill>
+          </a:ln>
+        </p:spPr>
+        <p:style>
+          <a:lnRef idx="2">
+            <a:schemeClr val="accent1">
+              <a:shade val="50000"/>
+            </a:schemeClr>
+          </a:lnRef>
+          <a:fillRef idx="1">
+            <a:schemeClr val="accent1"/>
+          </a:fillRef>
+          <a:effectRef idx="0">
+            <a:schemeClr val="accent1"/>
+          </a:effectRef>
+          <a:fontRef idx="minor">
+            <a:schemeClr val="lt1"/>
+          </a:fontRef>
+        </p:style>
+        <p:txBody>
+          <a:bodyPr rtlCol="0" anchor="ctr"/>
+          <a:lstStyle/>
+          <a:p>
+            <a:pPr algn="ctr"/>
+            <a:endParaRPr lang="de-DE"/>
+          </a:p>
+        </p:txBody>
+      </p:sp>
+      <p:sp>
+        <p:nvSpPr>
+          <p:cNvPr id="21" name="Akkord 20"/>
+          <p:cNvSpPr/>
+          <p:nvPr/>
+        </p:nvSpPr>
+        <p:spPr>
+          <a:xfrm rot="16200000">
+            <a:off x="7316704" y="5114250"/>
+            <a:ext cx="210728" cy="160737"/>
+          </a:xfrm>
+          <a:prstGeom prst="chord">
+            <a:avLst>
+              <a:gd name="adj1" fmla="val 5471233"/>
+              <a:gd name="adj2" fmla="val 16200000"/>
+            </a:avLst>
+          </a:prstGeom>
+          <a:solidFill>
+            <a:srgbClr val="FF0000"/>
+          </a:solidFill>
+          <a:ln>
+            <a:solidFill>
+              <a:schemeClr val="accent2">
+                <a:lumMod val="60000"/>
+                <a:lumOff val="40000"/>
+              </a:schemeClr>
+            </a:solidFill>
+          </a:ln>
+        </p:spPr>
+        <p:style>
+          <a:lnRef idx="2">
+            <a:schemeClr val="accent1">
+              <a:shade val="50000"/>
+            </a:schemeClr>
+          </a:lnRef>
+          <a:fillRef idx="1">
+            <a:schemeClr val="accent1"/>
+          </a:fillRef>
+          <a:effectRef idx="0">
+            <a:schemeClr val="accent1"/>
+          </a:effectRef>
+          <a:fontRef idx="minor">
+            <a:schemeClr val="lt1"/>
+          </a:fontRef>
+        </p:style>
+        <p:txBody>
+          <a:bodyPr rtlCol="0" anchor="ctr"/>
+          <a:lstStyle/>
+          <a:p>
+            <a:pPr algn="ctr"/>
+            <a:endParaRPr lang="de-DE"/>
+          </a:p>
+        </p:txBody>
+      </p:sp>
+      <p:sp>
+        <p:nvSpPr>
+          <p:cNvPr id="22" name="Akkord 21"/>
+          <p:cNvSpPr/>
+          <p:nvPr/>
+        </p:nvSpPr>
+        <p:spPr>
+          <a:xfrm rot="2918867">
+            <a:off x="7036092" y="2262625"/>
+            <a:ext cx="210728" cy="160737"/>
+          </a:xfrm>
+          <a:prstGeom prst="chord">
+            <a:avLst>
+              <a:gd name="adj1" fmla="val 5471233"/>
+              <a:gd name="adj2" fmla="val 16200000"/>
+            </a:avLst>
+          </a:prstGeom>
+          <a:solidFill>
+            <a:srgbClr val="FFC000"/>
+          </a:solidFill>
+          <a:ln>
+            <a:solidFill>
+              <a:schemeClr val="accent4">
+                <a:lumMod val="60000"/>
+                <a:lumOff val="40000"/>
+              </a:schemeClr>
+            </a:solidFill>
+          </a:ln>
+        </p:spPr>
+        <p:style>
+          <a:lnRef idx="2">
+            <a:schemeClr val="accent1">
+              <a:shade val="50000"/>
+            </a:schemeClr>
+          </a:lnRef>
+          <a:fillRef idx="1">
+            <a:schemeClr val="accent1"/>
+          </a:fillRef>
+          <a:effectRef idx="0">
+            <a:schemeClr val="accent1"/>
+          </a:effectRef>
+          <a:fontRef idx="minor">
+            <a:schemeClr val="lt1"/>
+          </a:fontRef>
+        </p:style>
+        <p:txBody>
+          <a:bodyPr rtlCol="0" anchor="ctr"/>
+          <a:lstStyle/>
+          <a:p>
+            <a:pPr algn="ctr"/>
+            <a:endParaRPr lang="de-DE"/>
+          </a:p>
+        </p:txBody>
+      </p:sp>
+      <p:sp>
+        <p:nvSpPr>
+          <p:cNvPr id="23" name="Akkord 22"/>
+          <p:cNvSpPr/>
+          <p:nvPr/>
+        </p:nvSpPr>
+        <p:spPr>
+          <a:xfrm rot="8022409">
+            <a:off x="8043218" y="2258276"/>
+            <a:ext cx="210728" cy="160737"/>
+          </a:xfrm>
+          <a:prstGeom prst="chord">
+            <a:avLst>
+              <a:gd name="adj1" fmla="val 5471233"/>
+              <a:gd name="adj2" fmla="val 16200000"/>
+            </a:avLst>
+          </a:prstGeom>
+          <a:solidFill>
+            <a:srgbClr val="FFC000"/>
+          </a:solidFill>
+          <a:ln>
+            <a:solidFill>
+              <a:schemeClr val="accent4">
+                <a:lumMod val="60000"/>
+                <a:lumOff val="40000"/>
+              </a:schemeClr>
+            </a:solidFill>
+          </a:ln>
+        </p:spPr>
+        <p:style>
+          <a:lnRef idx="2">
+            <a:schemeClr val="accent1">
+              <a:shade val="50000"/>
+            </a:schemeClr>
+          </a:lnRef>
+          <a:fillRef idx="1">
+            <a:schemeClr val="accent1"/>
+          </a:fillRef>
+          <a:effectRef idx="0">
+            <a:schemeClr val="accent1"/>
+          </a:effectRef>
+          <a:fontRef idx="minor">
+            <a:schemeClr val="lt1"/>
+          </a:fontRef>
+        </p:style>
+        <p:txBody>
+          <a:bodyPr rtlCol="0" anchor="ctr"/>
+          <a:lstStyle/>
+          <a:p>
+            <a:pPr algn="ctr"/>
+            <a:endParaRPr lang="de-DE"/>
+          </a:p>
+        </p:txBody>
+      </p:sp>
+      <p:sp>
+        <p:nvSpPr>
+          <p:cNvPr id="24" name="Akkord 23"/>
+          <p:cNvSpPr/>
+          <p:nvPr/>
+        </p:nvSpPr>
+        <p:spPr>
+          <a:xfrm rot="15154363">
+            <a:off x="7990592" y="5087744"/>
+            <a:ext cx="210728" cy="160737"/>
+          </a:xfrm>
+          <a:prstGeom prst="chord">
+            <a:avLst>
+              <a:gd name="adj1" fmla="val 5471233"/>
+              <a:gd name="adj2" fmla="val 16200000"/>
+            </a:avLst>
+          </a:prstGeom>
+          <a:solidFill>
+            <a:srgbClr val="FFC000"/>
+          </a:solidFill>
+          <a:ln>
+            <a:solidFill>
+              <a:schemeClr val="accent4">
+                <a:lumMod val="60000"/>
+                <a:lumOff val="40000"/>
+              </a:schemeClr>
+            </a:solidFill>
+          </a:ln>
+        </p:spPr>
+        <p:style>
+          <a:lnRef idx="2">
+            <a:schemeClr val="accent1">
+              <a:shade val="50000"/>
+            </a:schemeClr>
+          </a:lnRef>
+          <a:fillRef idx="1">
+            <a:schemeClr val="accent1"/>
+          </a:fillRef>
+          <a:effectRef idx="0">
+            <a:schemeClr val="accent1"/>
+          </a:effectRef>
+          <a:fontRef idx="minor">
+            <a:schemeClr val="lt1"/>
+          </a:fontRef>
+        </p:style>
+        <p:txBody>
+          <a:bodyPr rtlCol="0" anchor="ctr"/>
+          <a:lstStyle/>
+          <a:p>
+            <a:pPr algn="ctr"/>
+            <a:endParaRPr lang="de-DE"/>
+          </a:p>
+        </p:txBody>
+      </p:sp>
+      <p:sp>
+        <p:nvSpPr>
+          <p:cNvPr id="25" name="Akkord 24"/>
+          <p:cNvSpPr/>
+          <p:nvPr/>
+        </p:nvSpPr>
+        <p:spPr>
+          <a:xfrm rot="17031214">
+            <a:off x="7094029" y="5077186"/>
+            <a:ext cx="210728" cy="160737"/>
+          </a:xfrm>
+          <a:prstGeom prst="chord">
+            <a:avLst>
+              <a:gd name="adj1" fmla="val 5471233"/>
+              <a:gd name="adj2" fmla="val 16200000"/>
+            </a:avLst>
+          </a:prstGeom>
+          <a:solidFill>
+            <a:srgbClr val="FFC000"/>
+          </a:solidFill>
+          <a:ln>
+            <a:solidFill>
+              <a:schemeClr val="accent4">
+                <a:lumMod val="60000"/>
+                <a:lumOff val="40000"/>
+              </a:schemeClr>
+            </a:solidFill>
+          </a:ln>
+        </p:spPr>
+        <p:style>
+          <a:lnRef idx="2">
+            <a:schemeClr val="accent1">
+              <a:shade val="50000"/>
+            </a:schemeClr>
+          </a:lnRef>
+          <a:fillRef idx="1">
+            <a:schemeClr val="accent1"/>
+          </a:fillRef>
+          <a:effectRef idx="0">
+            <a:schemeClr val="accent1"/>
+          </a:effectRef>
+          <a:fontRef idx="minor">
+            <a:schemeClr val="lt1"/>
+          </a:fontRef>
+        </p:style>
+        <p:txBody>
+          <a:bodyPr rtlCol="0" anchor="ctr"/>
+          <a:lstStyle/>
+          <a:p>
+            <a:pPr algn="ctr"/>
+            <a:endParaRPr lang="de-DE"/>
+          </a:p>
+        </p:txBody>
+      </p:sp>
+      <p:sp>
+        <p:nvSpPr>
+          <p:cNvPr id="26" name="Abgerundetes Rechteck 25"/>
+          <p:cNvSpPr/>
+          <p:nvPr/>
+        </p:nvSpPr>
+        <p:spPr>
+          <a:xfrm rot="19890878">
+            <a:off x="8198058" y="2611437"/>
+            <a:ext cx="199500" cy="526679"/>
+          </a:xfrm>
+          <a:prstGeom prst="roundRect">
+            <a:avLst>
+              <a:gd name="adj" fmla="val 48667"/>
+            </a:avLst>
+          </a:prstGeom>
+          <a:noFill/>
+          <a:ln w="28575">
+            <a:solidFill>
+              <a:schemeClr val="bg1">
+                <a:lumMod val="50000"/>
+              </a:schemeClr>
+            </a:solidFill>
+            <a:prstDash val="sysDot"/>
+          </a:ln>
+        </p:spPr>
+        <p:style>
+          <a:lnRef idx="2">
+            <a:schemeClr val="accent1">
+              <a:shade val="50000"/>
+            </a:schemeClr>
+          </a:lnRef>
+          <a:fillRef idx="1">
+            <a:schemeClr val="accent1"/>
+          </a:fillRef>
+          <a:effectRef idx="0">
+            <a:schemeClr val="accent1"/>
+          </a:effectRef>
+          <a:fontRef idx="minor">
+            <a:schemeClr val="lt1"/>
+          </a:fontRef>
+        </p:style>
+        <p:txBody>
+          <a:bodyPr rtlCol="0" anchor="ctr"/>
+          <a:lstStyle/>
+          <a:p>
+            <a:pPr algn="ctr"/>
+            <a:endParaRPr lang="de-DE"/>
+          </a:p>
+        </p:txBody>
+      </p:sp>
+      <p:sp>
+        <p:nvSpPr>
+          <p:cNvPr id="27" name="Abgerundetes Rechteck 26"/>
+          <p:cNvSpPr/>
+          <p:nvPr/>
+        </p:nvSpPr>
+        <p:spPr>
+          <a:xfrm rot="19868009">
+            <a:off x="6891754" y="2611437"/>
+            <a:ext cx="199500" cy="526680"/>
+          </a:xfrm>
+          <a:prstGeom prst="roundRect">
+            <a:avLst>
+              <a:gd name="adj" fmla="val 48667"/>
+            </a:avLst>
+          </a:prstGeom>
+          <a:noFill/>
+          <a:ln w="28575">
+            <a:solidFill>
+              <a:schemeClr val="bg1">
+                <a:lumMod val="50000"/>
+              </a:schemeClr>
+            </a:solidFill>
+            <a:prstDash val="sysDot"/>
+          </a:ln>
+        </p:spPr>
+        <p:style>
+          <a:lnRef idx="2">
+            <a:schemeClr val="accent1">
+              <a:shade val="50000"/>
+            </a:schemeClr>
+          </a:lnRef>
+          <a:fillRef idx="1">
+            <a:schemeClr val="accent1"/>
+          </a:fillRef>
+          <a:effectRef idx="0">
+            <a:schemeClr val="accent1"/>
+          </a:effectRef>
+          <a:fontRef idx="minor">
+            <a:schemeClr val="lt1"/>
+          </a:fontRef>
+        </p:style>
+        <p:txBody>
+          <a:bodyPr rtlCol="0" anchor="ctr"/>
+          <a:lstStyle/>
+          <a:p>
+            <a:pPr algn="ctr"/>
+            <a:endParaRPr lang="de-DE"/>
+          </a:p>
+        </p:txBody>
+      </p:sp>
+      <p:sp>
+        <p:nvSpPr>
+          <p:cNvPr id="28" name="Abgerundetes Rechteck 27"/>
+          <p:cNvSpPr/>
+          <p:nvPr/>
+        </p:nvSpPr>
+        <p:spPr>
           <a:xfrm>
-            <a:off x="4059715" y="1635722"/>
-            <a:ext cx="1816261" cy="3893637"/>
-            <a:chOff x="6292775" y="1730723"/>
-            <a:chExt cx="1816261" cy="3893637"/>
-          </a:xfrm>
-        </p:grpSpPr>
-        <p:sp>
-          <p:nvSpPr>
-            <p:cNvPr id="18" name="Akkord 17"/>
-            <p:cNvSpPr/>
-            <p:nvPr/>
-          </p:nvSpPr>
-          <p:spPr>
-            <a:xfrm rot="5853139">
-              <a:off x="7245738" y="1767129"/>
-              <a:ext cx="254174" cy="193876"/>
-            </a:xfrm>
-            <a:prstGeom prst="chord">
-              <a:avLst>
-                <a:gd name="adj1" fmla="val 5471233"/>
-                <a:gd name="adj2" fmla="val 16200000"/>
-              </a:avLst>
-            </a:prstGeom>
+            <a:off x="6896634" y="2611438"/>
+            <a:ext cx="199500" cy="526680"/>
+          </a:xfrm>
+          <a:prstGeom prst="roundRect">
+            <a:avLst>
+              <a:gd name="adj" fmla="val 48667"/>
+            </a:avLst>
+          </a:prstGeom>
+          <a:solidFill>
+            <a:schemeClr val="tx1"/>
+          </a:solidFill>
+          <a:ln>
+            <a:noFill/>
+          </a:ln>
+        </p:spPr>
+        <p:style>
+          <a:lnRef idx="2">
+            <a:schemeClr val="accent1">
+              <a:shade val="50000"/>
+            </a:schemeClr>
+          </a:lnRef>
+          <a:fillRef idx="1">
+            <a:schemeClr val="accent1"/>
+          </a:fillRef>
+          <a:effectRef idx="0">
+            <a:schemeClr val="accent1"/>
+          </a:effectRef>
+          <a:fontRef idx="minor">
+            <a:schemeClr val="lt1"/>
+          </a:fontRef>
+        </p:style>
+        <p:txBody>
+          <a:bodyPr rtlCol="0" anchor="ctr"/>
+          <a:lstStyle/>
+          <a:p>
+            <a:pPr algn="ctr"/>
+            <a:endParaRPr lang="de-DE"/>
+          </a:p>
+        </p:txBody>
+      </p:sp>
+      <p:sp>
+        <p:nvSpPr>
+          <p:cNvPr id="29" name="Abgerundetes Rechteck 28"/>
+          <p:cNvSpPr/>
+          <p:nvPr/>
+        </p:nvSpPr>
+        <p:spPr>
+          <a:xfrm>
+            <a:off x="8187638" y="2611438"/>
+            <a:ext cx="199500" cy="526679"/>
+          </a:xfrm>
+          <a:prstGeom prst="roundRect">
+            <a:avLst>
+              <a:gd name="adj" fmla="val 48667"/>
+            </a:avLst>
+          </a:prstGeom>
+          <a:solidFill>
+            <a:schemeClr val="tx1"/>
+          </a:solidFill>
+          <a:ln>
+            <a:noFill/>
+          </a:ln>
+        </p:spPr>
+        <p:style>
+          <a:lnRef idx="2">
+            <a:schemeClr val="accent1">
+              <a:shade val="50000"/>
+            </a:schemeClr>
+          </a:lnRef>
+          <a:fillRef idx="1">
+            <a:schemeClr val="accent1"/>
+          </a:fillRef>
+          <a:effectRef idx="0">
+            <a:schemeClr val="accent1"/>
+          </a:effectRef>
+          <a:fontRef idx="minor">
+            <a:schemeClr val="lt1"/>
+          </a:fontRef>
+        </p:style>
+        <p:txBody>
+          <a:bodyPr rtlCol="0" anchor="ctr"/>
+          <a:lstStyle/>
+          <a:p>
+            <a:pPr algn="ctr"/>
+            <a:endParaRPr lang="de-DE"/>
+          </a:p>
+        </p:txBody>
+      </p:sp>
+      <p:sp>
+        <p:nvSpPr>
+          <p:cNvPr id="30" name="Abgerundetes Rechteck 29"/>
+          <p:cNvSpPr/>
+          <p:nvPr/>
+        </p:nvSpPr>
+        <p:spPr>
+          <a:xfrm>
+            <a:off x="6896634" y="4309847"/>
+            <a:ext cx="199500" cy="526680"/>
+          </a:xfrm>
+          <a:prstGeom prst="roundRect">
+            <a:avLst>
+              <a:gd name="adj" fmla="val 48667"/>
+            </a:avLst>
+          </a:prstGeom>
+          <a:solidFill>
+            <a:schemeClr val="tx1"/>
+          </a:solidFill>
+          <a:ln>
+            <a:noFill/>
+          </a:ln>
+        </p:spPr>
+        <p:style>
+          <a:lnRef idx="2">
+            <a:schemeClr val="accent1">
+              <a:shade val="50000"/>
+            </a:schemeClr>
+          </a:lnRef>
+          <a:fillRef idx="1">
+            <a:schemeClr val="accent1"/>
+          </a:fillRef>
+          <a:effectRef idx="0">
+            <a:schemeClr val="accent1"/>
+          </a:effectRef>
+          <a:fontRef idx="minor">
+            <a:schemeClr val="lt1"/>
+          </a:fontRef>
+        </p:style>
+        <p:txBody>
+          <a:bodyPr rtlCol="0" anchor="ctr"/>
+          <a:lstStyle/>
+          <a:p>
+            <a:pPr algn="ctr"/>
+            <a:endParaRPr lang="de-DE"/>
+          </a:p>
+        </p:txBody>
+      </p:sp>
+      <p:sp>
+        <p:nvSpPr>
+          <p:cNvPr id="31" name="Abgerundetes Rechteck 30"/>
+          <p:cNvSpPr/>
+          <p:nvPr/>
+        </p:nvSpPr>
+        <p:spPr>
+          <a:xfrm>
+            <a:off x="8187638" y="4309848"/>
+            <a:ext cx="199500" cy="526679"/>
+          </a:xfrm>
+          <a:prstGeom prst="roundRect">
+            <a:avLst>
+              <a:gd name="adj" fmla="val 48667"/>
+            </a:avLst>
+          </a:prstGeom>
+          <a:solidFill>
+            <a:schemeClr val="tx1"/>
+          </a:solidFill>
+          <a:ln>
+            <a:noFill/>
+          </a:ln>
+        </p:spPr>
+        <p:style>
+          <a:lnRef idx="2">
+            <a:schemeClr val="accent1">
+              <a:shade val="50000"/>
+            </a:schemeClr>
+          </a:lnRef>
+          <a:fillRef idx="1">
+            <a:schemeClr val="accent1"/>
+          </a:fillRef>
+          <a:effectRef idx="0">
+            <a:schemeClr val="accent1"/>
+          </a:effectRef>
+          <a:fontRef idx="minor">
+            <a:schemeClr val="lt1"/>
+          </a:fontRef>
+        </p:style>
+        <p:txBody>
+          <a:bodyPr rtlCol="0" anchor="ctr"/>
+          <a:lstStyle/>
+          <a:p>
+            <a:pPr algn="ctr"/>
+            <a:endParaRPr lang="de-DE"/>
+          </a:p>
+        </p:txBody>
+      </p:sp>
+      <p:cxnSp>
+        <p:nvCxnSpPr>
+          <p:cNvPr id="32" name="Gerade Verbindung mit Pfeil 31"/>
+          <p:cNvCxnSpPr/>
+          <p:nvPr/>
+        </p:nvCxnSpPr>
+        <p:spPr>
+          <a:xfrm>
+            <a:off x="6582314" y="3704121"/>
+            <a:ext cx="2090761" cy="0"/>
+          </a:xfrm>
+          <a:prstGeom prst="straightConnector1">
+            <a:avLst/>
+          </a:prstGeom>
+          <a:ln w="57150">
             <a:solidFill>
-              <a:srgbClr val="00B050"/>
+              <a:srgbClr val="2E75B6"/>
             </a:solidFill>
-            <a:ln>
-              <a:solidFill>
-                <a:schemeClr val="accent6">
-                  <a:lumMod val="60000"/>
-                  <a:lumOff val="40000"/>
-                </a:schemeClr>
-              </a:solidFill>
-            </a:ln>
-          </p:spPr>
-          <p:style>
-            <a:lnRef idx="2">
-              <a:schemeClr val="accent1">
-                <a:shade val="50000"/>
-              </a:schemeClr>
-            </a:lnRef>
-            <a:fillRef idx="1">
-              <a:schemeClr val="accent1"/>
-            </a:fillRef>
-            <a:effectRef idx="0">
-              <a:schemeClr val="accent1"/>
-            </a:effectRef>
-            <a:fontRef idx="minor">
-              <a:schemeClr val="lt1"/>
-            </a:fontRef>
-          </p:style>
-          <p:txBody>
-            <a:bodyPr rtlCol="0" anchor="ctr"/>
-            <a:lstStyle/>
-            <a:p>
-              <a:pPr algn="ctr"/>
-              <a:endParaRPr lang="de-DE"/>
-            </a:p>
-          </p:txBody>
-        </p:sp>
-        <p:sp>
-          <p:nvSpPr>
-            <p:cNvPr id="19" name="Akkord 18"/>
-            <p:cNvSpPr/>
-            <p:nvPr/>
-          </p:nvSpPr>
-          <p:spPr>
-            <a:xfrm rot="4968192">
-              <a:off x="6887994" y="1760872"/>
-              <a:ext cx="254174" cy="193876"/>
-            </a:xfrm>
-            <a:prstGeom prst="chord">
-              <a:avLst>
-                <a:gd name="adj1" fmla="val 5471233"/>
-                <a:gd name="adj2" fmla="val 16200000"/>
-              </a:avLst>
-            </a:prstGeom>
+            <a:headEnd type="triangle"/>
+            <a:tailEnd type="triangle"/>
+          </a:ln>
+        </p:spPr>
+        <p:style>
+          <a:lnRef idx="1">
+            <a:schemeClr val="accent1"/>
+          </a:lnRef>
+          <a:fillRef idx="0">
+            <a:schemeClr val="accent1"/>
+          </a:fillRef>
+          <a:effectRef idx="0">
+            <a:schemeClr val="accent1"/>
+          </a:effectRef>
+          <a:fontRef idx="minor">
+            <a:schemeClr val="tx1"/>
+          </a:fontRef>
+        </p:style>
+      </p:cxnSp>
+      <p:cxnSp>
+        <p:nvCxnSpPr>
+          <p:cNvPr id="33" name="Gerade Verbindung mit Pfeil 32"/>
+          <p:cNvCxnSpPr/>
+          <p:nvPr/>
+        </p:nvCxnSpPr>
+        <p:spPr>
+          <a:xfrm flipH="1" flipV="1">
+            <a:off x="7627694" y="1751798"/>
+            <a:ext cx="0" cy="3840480"/>
+          </a:xfrm>
+          <a:prstGeom prst="straightConnector1">
+            <a:avLst/>
+          </a:prstGeom>
+          <a:ln w="57150">
             <a:solidFill>
-              <a:srgbClr val="00B050"/>
+              <a:srgbClr val="2E75B6"/>
             </a:solidFill>
-            <a:ln>
-              <a:solidFill>
-                <a:schemeClr val="accent6">
-                  <a:lumMod val="60000"/>
-                  <a:lumOff val="40000"/>
-                </a:schemeClr>
-              </a:solidFill>
-            </a:ln>
-          </p:spPr>
-          <p:style>
-            <a:lnRef idx="2">
-              <a:schemeClr val="accent1">
-                <a:shade val="50000"/>
-              </a:schemeClr>
-            </a:lnRef>
-            <a:fillRef idx="1">
-              <a:schemeClr val="accent1"/>
-            </a:fillRef>
-            <a:effectRef idx="0">
-              <a:schemeClr val="accent1"/>
-            </a:effectRef>
-            <a:fontRef idx="minor">
-              <a:schemeClr val="lt1"/>
-            </a:fontRef>
-          </p:style>
-          <p:txBody>
-            <a:bodyPr rtlCol="0" anchor="ctr"/>
-            <a:lstStyle/>
-            <a:p>
-              <a:pPr algn="ctr"/>
-              <a:endParaRPr lang="de-DE"/>
-            </a:p>
-          </p:txBody>
-        </p:sp>
-        <p:sp>
-          <p:nvSpPr>
-            <p:cNvPr id="20" name="Akkord 19"/>
-            <p:cNvSpPr/>
-            <p:nvPr/>
-          </p:nvSpPr>
-          <p:spPr>
-            <a:xfrm rot="16200000">
-              <a:off x="7362070" y="5400335"/>
-              <a:ext cx="254174" cy="193876"/>
-            </a:xfrm>
-            <a:prstGeom prst="chord">
-              <a:avLst>
-                <a:gd name="adj1" fmla="val 5471233"/>
-                <a:gd name="adj2" fmla="val 16200000"/>
-              </a:avLst>
-            </a:prstGeom>
-            <a:solidFill>
-              <a:srgbClr val="FF0000"/>
-            </a:solidFill>
-            <a:ln>
-              <a:solidFill>
-                <a:schemeClr val="accent2">
-                  <a:lumMod val="60000"/>
-                  <a:lumOff val="40000"/>
-                </a:schemeClr>
-              </a:solidFill>
-            </a:ln>
-          </p:spPr>
-          <p:style>
-            <a:lnRef idx="2">
-              <a:schemeClr val="accent1">
-                <a:shade val="50000"/>
-              </a:schemeClr>
-            </a:lnRef>
-            <a:fillRef idx="1">
-              <a:schemeClr val="accent1"/>
-            </a:fillRef>
-            <a:effectRef idx="0">
-              <a:schemeClr val="accent1"/>
-            </a:effectRef>
-            <a:fontRef idx="minor">
-              <a:schemeClr val="lt1"/>
-            </a:fontRef>
-          </p:style>
-          <p:txBody>
-            <a:bodyPr rtlCol="0" anchor="ctr"/>
-            <a:lstStyle/>
-            <a:p>
-              <a:pPr algn="ctr"/>
-              <a:endParaRPr lang="de-DE"/>
-            </a:p>
-          </p:txBody>
-        </p:sp>
-        <p:sp>
-          <p:nvSpPr>
-            <p:cNvPr id="21" name="Akkord 20"/>
-            <p:cNvSpPr/>
-            <p:nvPr/>
-          </p:nvSpPr>
-          <p:spPr>
-            <a:xfrm rot="16200000">
-              <a:off x="6805338" y="5396265"/>
-              <a:ext cx="254174" cy="193876"/>
-            </a:xfrm>
-            <a:prstGeom prst="chord">
-              <a:avLst>
-                <a:gd name="adj1" fmla="val 5471233"/>
-                <a:gd name="adj2" fmla="val 16200000"/>
-              </a:avLst>
-            </a:prstGeom>
-            <a:solidFill>
-              <a:srgbClr val="FF0000"/>
-            </a:solidFill>
-            <a:ln>
-              <a:solidFill>
-                <a:schemeClr val="accent2">
-                  <a:lumMod val="60000"/>
-                  <a:lumOff val="40000"/>
-                </a:schemeClr>
-              </a:solidFill>
-            </a:ln>
-          </p:spPr>
-          <p:style>
-            <a:lnRef idx="2">
-              <a:schemeClr val="accent1">
-                <a:shade val="50000"/>
-              </a:schemeClr>
-            </a:lnRef>
-            <a:fillRef idx="1">
-              <a:schemeClr val="accent1"/>
-            </a:fillRef>
-            <a:effectRef idx="0">
-              <a:schemeClr val="accent1"/>
-            </a:effectRef>
-            <a:fontRef idx="minor">
-              <a:schemeClr val="lt1"/>
-            </a:fontRef>
-          </p:style>
-          <p:txBody>
-            <a:bodyPr rtlCol="0" anchor="ctr"/>
-            <a:lstStyle/>
-            <a:p>
-              <a:pPr algn="ctr"/>
-              <a:endParaRPr lang="de-DE"/>
-            </a:p>
-          </p:txBody>
-        </p:sp>
-        <p:sp>
-          <p:nvSpPr>
-            <p:cNvPr id="22" name="Akkord 21"/>
-            <p:cNvSpPr/>
-            <p:nvPr/>
-          </p:nvSpPr>
-          <p:spPr>
-            <a:xfrm rot="2918867">
-              <a:off x="6466872" y="1956710"/>
-              <a:ext cx="254174" cy="193876"/>
-            </a:xfrm>
-            <a:prstGeom prst="chord">
-              <a:avLst>
-                <a:gd name="adj1" fmla="val 5471233"/>
-                <a:gd name="adj2" fmla="val 16200000"/>
-              </a:avLst>
-            </a:prstGeom>
-            <a:solidFill>
-              <a:srgbClr val="FFC000"/>
-            </a:solidFill>
-            <a:ln>
-              <a:solidFill>
-                <a:schemeClr val="accent4">
-                  <a:lumMod val="60000"/>
-                  <a:lumOff val="40000"/>
-                </a:schemeClr>
-              </a:solidFill>
-            </a:ln>
-          </p:spPr>
-          <p:style>
-            <a:lnRef idx="2">
-              <a:schemeClr val="accent1">
-                <a:shade val="50000"/>
-              </a:schemeClr>
-            </a:lnRef>
-            <a:fillRef idx="1">
-              <a:schemeClr val="accent1"/>
-            </a:fillRef>
-            <a:effectRef idx="0">
-              <a:schemeClr val="accent1"/>
-            </a:effectRef>
-            <a:fontRef idx="minor">
-              <a:schemeClr val="lt1"/>
-            </a:fontRef>
-          </p:style>
-          <p:txBody>
-            <a:bodyPr rtlCol="0" anchor="ctr"/>
-            <a:lstStyle/>
-            <a:p>
-              <a:pPr algn="ctr"/>
-              <a:endParaRPr lang="de-DE"/>
-            </a:p>
-          </p:txBody>
-        </p:sp>
-        <p:sp>
-          <p:nvSpPr>
-            <p:cNvPr id="23" name="Akkord 22"/>
-            <p:cNvSpPr/>
-            <p:nvPr/>
-          </p:nvSpPr>
-          <p:spPr>
-            <a:xfrm rot="8022409">
-              <a:off x="7681639" y="1951465"/>
-              <a:ext cx="254174" cy="193876"/>
-            </a:xfrm>
-            <a:prstGeom prst="chord">
-              <a:avLst>
-                <a:gd name="adj1" fmla="val 5471233"/>
-                <a:gd name="adj2" fmla="val 16200000"/>
-              </a:avLst>
-            </a:prstGeom>
-            <a:solidFill>
-              <a:srgbClr val="FFC000"/>
-            </a:solidFill>
-            <a:ln>
-              <a:solidFill>
-                <a:schemeClr val="accent4">
-                  <a:lumMod val="60000"/>
-                  <a:lumOff val="40000"/>
-                </a:schemeClr>
-              </a:solidFill>
-            </a:ln>
-          </p:spPr>
-          <p:style>
-            <a:lnRef idx="2">
-              <a:schemeClr val="accent1">
-                <a:shade val="50000"/>
-              </a:schemeClr>
-            </a:lnRef>
-            <a:fillRef idx="1">
-              <a:schemeClr val="accent1"/>
-            </a:fillRef>
-            <a:effectRef idx="0">
-              <a:schemeClr val="accent1"/>
-            </a:effectRef>
-            <a:fontRef idx="minor">
-              <a:schemeClr val="lt1"/>
-            </a:fontRef>
-          </p:style>
-          <p:txBody>
-            <a:bodyPr rtlCol="0" anchor="ctr"/>
-            <a:lstStyle/>
-            <a:p>
-              <a:pPr algn="ctr"/>
-              <a:endParaRPr lang="de-DE"/>
-            </a:p>
-          </p:txBody>
-        </p:sp>
-        <p:sp>
-          <p:nvSpPr>
-            <p:cNvPr id="24" name="Akkord 23"/>
-            <p:cNvSpPr/>
-            <p:nvPr/>
-          </p:nvSpPr>
-          <p:spPr>
-            <a:xfrm rot="15154363">
-              <a:off x="7618164" y="5364294"/>
-              <a:ext cx="254174" cy="193876"/>
-            </a:xfrm>
-            <a:prstGeom prst="chord">
-              <a:avLst>
-                <a:gd name="adj1" fmla="val 5471233"/>
-                <a:gd name="adj2" fmla="val 16200000"/>
-              </a:avLst>
-            </a:prstGeom>
-            <a:solidFill>
-              <a:srgbClr val="FFC000"/>
-            </a:solidFill>
-            <a:ln>
-              <a:solidFill>
-                <a:schemeClr val="accent4">
-                  <a:lumMod val="60000"/>
-                  <a:lumOff val="40000"/>
-                </a:schemeClr>
-              </a:solidFill>
-            </a:ln>
-          </p:spPr>
-          <p:style>
-            <a:lnRef idx="2">
-              <a:schemeClr val="accent1">
-                <a:shade val="50000"/>
-              </a:schemeClr>
-            </a:lnRef>
-            <a:fillRef idx="1">
-              <a:schemeClr val="accent1"/>
-            </a:fillRef>
-            <a:effectRef idx="0">
-              <a:schemeClr val="accent1"/>
-            </a:effectRef>
-            <a:fontRef idx="minor">
-              <a:schemeClr val="lt1"/>
-            </a:fontRef>
-          </p:style>
-          <p:txBody>
-            <a:bodyPr rtlCol="0" anchor="ctr"/>
-            <a:lstStyle/>
-            <a:p>
-              <a:pPr algn="ctr"/>
-              <a:endParaRPr lang="de-DE"/>
-            </a:p>
-          </p:txBody>
-        </p:sp>
-        <p:sp>
-          <p:nvSpPr>
-            <p:cNvPr id="25" name="Akkord 24"/>
-            <p:cNvSpPr/>
-            <p:nvPr/>
-          </p:nvSpPr>
-          <p:spPr>
-            <a:xfrm rot="17031214">
-              <a:off x="6536754" y="5351560"/>
-              <a:ext cx="254174" cy="193876"/>
-            </a:xfrm>
-            <a:prstGeom prst="chord">
-              <a:avLst>
-                <a:gd name="adj1" fmla="val 5471233"/>
-                <a:gd name="adj2" fmla="val 16200000"/>
-              </a:avLst>
-            </a:prstGeom>
-            <a:solidFill>
-              <a:srgbClr val="FFC000"/>
-            </a:solidFill>
-            <a:ln>
-              <a:solidFill>
-                <a:schemeClr val="accent4">
-                  <a:lumMod val="60000"/>
-                  <a:lumOff val="40000"/>
-                </a:schemeClr>
-              </a:solidFill>
-            </a:ln>
-          </p:spPr>
-          <p:style>
-            <a:lnRef idx="2">
-              <a:schemeClr val="accent1">
-                <a:shade val="50000"/>
-              </a:schemeClr>
-            </a:lnRef>
-            <a:fillRef idx="1">
-              <a:schemeClr val="accent1"/>
-            </a:fillRef>
-            <a:effectRef idx="0">
-              <a:schemeClr val="accent1"/>
-            </a:effectRef>
-            <a:fontRef idx="minor">
-              <a:schemeClr val="lt1"/>
-            </a:fontRef>
-          </p:style>
-          <p:txBody>
-            <a:bodyPr rtlCol="0" anchor="ctr"/>
-            <a:lstStyle/>
-            <a:p>
-              <a:pPr algn="ctr"/>
-              <a:endParaRPr lang="de-DE"/>
-            </a:p>
-          </p:txBody>
-        </p:sp>
-        <p:sp>
-          <p:nvSpPr>
-            <p:cNvPr id="26" name="Abgerundetes Rechteck 25"/>
-            <p:cNvSpPr/>
-            <p:nvPr/>
-          </p:nvSpPr>
-          <p:spPr>
-            <a:xfrm rot="19890878">
-              <a:off x="7868404" y="2377438"/>
-              <a:ext cx="240632" cy="635266"/>
-            </a:xfrm>
-            <a:prstGeom prst="roundRect">
-              <a:avLst>
-                <a:gd name="adj" fmla="val 48667"/>
-              </a:avLst>
-            </a:prstGeom>
-            <a:noFill/>
-            <a:ln w="28575">
-              <a:solidFill>
-                <a:schemeClr val="bg1">
-                  <a:lumMod val="50000"/>
-                </a:schemeClr>
-              </a:solidFill>
-              <a:prstDash val="sysDot"/>
-            </a:ln>
-          </p:spPr>
-          <p:style>
-            <a:lnRef idx="2">
-              <a:schemeClr val="accent1">
-                <a:shade val="50000"/>
-              </a:schemeClr>
-            </a:lnRef>
-            <a:fillRef idx="1">
-              <a:schemeClr val="accent1"/>
-            </a:fillRef>
-            <a:effectRef idx="0">
-              <a:schemeClr val="accent1"/>
-            </a:effectRef>
-            <a:fontRef idx="minor">
-              <a:schemeClr val="lt1"/>
-            </a:fontRef>
-          </p:style>
-          <p:txBody>
-            <a:bodyPr rtlCol="0" anchor="ctr"/>
-            <a:lstStyle/>
-            <a:p>
-              <a:pPr algn="ctr"/>
-              <a:endParaRPr lang="de-DE"/>
-            </a:p>
-          </p:txBody>
-        </p:sp>
-        <p:sp>
-          <p:nvSpPr>
-            <p:cNvPr id="27" name="Abgerundetes Rechteck 26"/>
-            <p:cNvSpPr/>
-            <p:nvPr/>
-          </p:nvSpPr>
-          <p:spPr>
-            <a:xfrm rot="19868009">
-              <a:off x="6292775" y="2377438"/>
-              <a:ext cx="240632" cy="635267"/>
-            </a:xfrm>
-            <a:prstGeom prst="roundRect">
-              <a:avLst>
-                <a:gd name="adj" fmla="val 48667"/>
-              </a:avLst>
-            </a:prstGeom>
-            <a:noFill/>
-            <a:ln w="28575">
-              <a:solidFill>
-                <a:schemeClr val="bg1">
-                  <a:lumMod val="50000"/>
-                </a:schemeClr>
-              </a:solidFill>
-              <a:prstDash val="sysDot"/>
-            </a:ln>
-          </p:spPr>
-          <p:style>
-            <a:lnRef idx="2">
-              <a:schemeClr val="accent1">
-                <a:shade val="50000"/>
-              </a:schemeClr>
-            </a:lnRef>
-            <a:fillRef idx="1">
-              <a:schemeClr val="accent1"/>
-            </a:fillRef>
-            <a:effectRef idx="0">
-              <a:schemeClr val="accent1"/>
-            </a:effectRef>
-            <a:fontRef idx="minor">
-              <a:schemeClr val="lt1"/>
-            </a:fontRef>
-          </p:style>
-          <p:txBody>
-            <a:bodyPr rtlCol="0" anchor="ctr"/>
-            <a:lstStyle/>
-            <a:p>
-              <a:pPr algn="ctr"/>
-              <a:endParaRPr lang="de-DE"/>
-            </a:p>
-          </p:txBody>
-        </p:sp>
-        <p:sp>
-          <p:nvSpPr>
-            <p:cNvPr id="28" name="Abgerundetes Rechteck 27"/>
-            <p:cNvSpPr/>
-            <p:nvPr/>
-          </p:nvSpPr>
-          <p:spPr>
-            <a:xfrm>
-              <a:off x="6298661" y="2377439"/>
-              <a:ext cx="240632" cy="635267"/>
-            </a:xfrm>
-            <a:prstGeom prst="roundRect">
-              <a:avLst>
-                <a:gd name="adj" fmla="val 48667"/>
-              </a:avLst>
-            </a:prstGeom>
-            <a:solidFill>
-              <a:schemeClr val="tx1"/>
-            </a:solidFill>
-            <a:ln>
-              <a:noFill/>
-            </a:ln>
-          </p:spPr>
-          <p:style>
-            <a:lnRef idx="2">
-              <a:schemeClr val="accent1">
-                <a:shade val="50000"/>
-              </a:schemeClr>
-            </a:lnRef>
-            <a:fillRef idx="1">
-              <a:schemeClr val="accent1"/>
-            </a:fillRef>
-            <a:effectRef idx="0">
-              <a:schemeClr val="accent1"/>
-            </a:effectRef>
-            <a:fontRef idx="minor">
-              <a:schemeClr val="lt1"/>
-            </a:fontRef>
-          </p:style>
-          <p:txBody>
-            <a:bodyPr rtlCol="0" anchor="ctr"/>
-            <a:lstStyle/>
-            <a:p>
-              <a:pPr algn="ctr"/>
-              <a:endParaRPr lang="de-DE"/>
-            </a:p>
-          </p:txBody>
-        </p:sp>
-        <p:sp>
-          <p:nvSpPr>
-            <p:cNvPr id="29" name="Abgerundetes Rechteck 28"/>
-            <p:cNvSpPr/>
-            <p:nvPr/>
-          </p:nvSpPr>
-          <p:spPr>
-            <a:xfrm>
-              <a:off x="7855835" y="2377440"/>
-              <a:ext cx="240632" cy="635266"/>
-            </a:xfrm>
-            <a:prstGeom prst="roundRect">
-              <a:avLst>
-                <a:gd name="adj" fmla="val 48667"/>
-              </a:avLst>
-            </a:prstGeom>
-            <a:solidFill>
-              <a:schemeClr val="tx1"/>
-            </a:solidFill>
-            <a:ln>
-              <a:noFill/>
-            </a:ln>
-          </p:spPr>
-          <p:style>
-            <a:lnRef idx="2">
-              <a:schemeClr val="accent1">
-                <a:shade val="50000"/>
-              </a:schemeClr>
-            </a:lnRef>
-            <a:fillRef idx="1">
-              <a:schemeClr val="accent1"/>
-            </a:fillRef>
-            <a:effectRef idx="0">
-              <a:schemeClr val="accent1"/>
-            </a:effectRef>
-            <a:fontRef idx="minor">
-              <a:schemeClr val="lt1"/>
-            </a:fontRef>
-          </p:style>
-          <p:txBody>
-            <a:bodyPr rtlCol="0" anchor="ctr"/>
-            <a:lstStyle/>
-            <a:p>
-              <a:pPr algn="ctr"/>
-              <a:endParaRPr lang="de-DE"/>
-            </a:p>
-          </p:txBody>
-        </p:sp>
-        <p:sp>
-          <p:nvSpPr>
-            <p:cNvPr id="30" name="Abgerundetes Rechteck 29"/>
-            <p:cNvSpPr/>
-            <p:nvPr/>
-          </p:nvSpPr>
-          <p:spPr>
-            <a:xfrm>
-              <a:off x="6298661" y="4426016"/>
-              <a:ext cx="240632" cy="635267"/>
-            </a:xfrm>
-            <a:prstGeom prst="roundRect">
-              <a:avLst>
-                <a:gd name="adj" fmla="val 48667"/>
-              </a:avLst>
-            </a:prstGeom>
-            <a:solidFill>
-              <a:schemeClr val="tx1"/>
-            </a:solidFill>
-            <a:ln>
-              <a:noFill/>
-            </a:ln>
-          </p:spPr>
-          <p:style>
-            <a:lnRef idx="2">
-              <a:schemeClr val="accent1">
-                <a:shade val="50000"/>
-              </a:schemeClr>
-            </a:lnRef>
-            <a:fillRef idx="1">
-              <a:schemeClr val="accent1"/>
-            </a:fillRef>
-            <a:effectRef idx="0">
-              <a:schemeClr val="accent1"/>
-            </a:effectRef>
-            <a:fontRef idx="minor">
-              <a:schemeClr val="lt1"/>
-            </a:fontRef>
-          </p:style>
-          <p:txBody>
-            <a:bodyPr rtlCol="0" anchor="ctr"/>
-            <a:lstStyle/>
-            <a:p>
-              <a:pPr algn="ctr"/>
-              <a:endParaRPr lang="de-DE"/>
-            </a:p>
-          </p:txBody>
-        </p:sp>
-        <p:sp>
-          <p:nvSpPr>
-            <p:cNvPr id="31" name="Abgerundetes Rechteck 30"/>
-            <p:cNvSpPr/>
-            <p:nvPr/>
-          </p:nvSpPr>
-          <p:spPr>
-            <a:xfrm>
-              <a:off x="7855835" y="4426017"/>
-              <a:ext cx="240632" cy="635266"/>
-            </a:xfrm>
-            <a:prstGeom prst="roundRect">
-              <a:avLst>
-                <a:gd name="adj" fmla="val 48667"/>
-              </a:avLst>
-            </a:prstGeom>
-            <a:solidFill>
-              <a:schemeClr val="tx1"/>
-            </a:solidFill>
-            <a:ln>
-              <a:noFill/>
-            </a:ln>
-          </p:spPr>
-          <p:style>
-            <a:lnRef idx="2">
-              <a:schemeClr val="accent1">
-                <a:shade val="50000"/>
-              </a:schemeClr>
-            </a:lnRef>
-            <a:fillRef idx="1">
-              <a:schemeClr val="accent1"/>
-            </a:fillRef>
-            <a:effectRef idx="0">
-              <a:schemeClr val="accent1"/>
-            </a:effectRef>
-            <a:fontRef idx="minor">
-              <a:schemeClr val="lt1"/>
-            </a:fontRef>
-          </p:style>
-          <p:txBody>
-            <a:bodyPr rtlCol="0" anchor="ctr"/>
-            <a:lstStyle/>
-            <a:p>
-              <a:pPr algn="ctr"/>
-              <a:endParaRPr lang="de-DE"/>
-            </a:p>
-          </p:txBody>
-        </p:sp>
-        <p:cxnSp>
-          <p:nvCxnSpPr>
-            <p:cNvPr id="32" name="Gerade Verbindung mit Pfeil 31"/>
-            <p:cNvCxnSpPr/>
-            <p:nvPr/>
-          </p:nvCxnSpPr>
-          <p:spPr>
-            <a:xfrm flipV="1">
-              <a:off x="6829537" y="2704699"/>
-              <a:ext cx="756558" cy="0"/>
-            </a:xfrm>
-            <a:prstGeom prst="straightConnector1">
-              <a:avLst/>
-            </a:prstGeom>
-            <a:ln w="57150">
-              <a:solidFill>
-                <a:srgbClr val="2E75B6"/>
-              </a:solidFill>
-              <a:headEnd type="triangle"/>
-              <a:tailEnd type="triangle"/>
-            </a:ln>
-          </p:spPr>
-          <p:style>
-            <a:lnRef idx="1">
-              <a:schemeClr val="accent1"/>
-            </a:lnRef>
-            <a:fillRef idx="0">
-              <a:schemeClr val="accent1"/>
-            </a:fillRef>
-            <a:effectRef idx="0">
-              <a:schemeClr val="accent1"/>
-            </a:effectRef>
-            <a:fontRef idx="minor">
-              <a:schemeClr val="tx1"/>
-            </a:fontRef>
-          </p:style>
-        </p:cxnSp>
-        <p:cxnSp>
-          <p:nvCxnSpPr>
-            <p:cNvPr id="33" name="Gerade Verbindung mit Pfeil 32"/>
-            <p:cNvCxnSpPr/>
-            <p:nvPr/>
-          </p:nvCxnSpPr>
-          <p:spPr>
-            <a:xfrm flipH="1" flipV="1">
-              <a:off x="7207816" y="2934100"/>
-              <a:ext cx="0" cy="1859281"/>
-            </a:xfrm>
-            <a:prstGeom prst="straightConnector1">
-              <a:avLst/>
-            </a:prstGeom>
-            <a:ln w="57150">
-              <a:solidFill>
-                <a:srgbClr val="2E75B6"/>
-              </a:solidFill>
-              <a:headEnd type="triangle"/>
-              <a:tailEnd type="triangle"/>
-            </a:ln>
-          </p:spPr>
-          <p:style>
-            <a:lnRef idx="1">
-              <a:schemeClr val="accent1"/>
-            </a:lnRef>
-            <a:fillRef idx="0">
-              <a:schemeClr val="accent1"/>
-            </a:fillRef>
-            <a:effectRef idx="0">
-              <a:schemeClr val="accent1"/>
-            </a:effectRef>
-            <a:fontRef idx="minor">
-              <a:schemeClr val="tx1"/>
-            </a:fontRef>
-          </p:style>
-        </p:cxnSp>
-      </p:grpSp>
+            <a:headEnd type="triangle"/>
+            <a:tailEnd type="triangle"/>
+          </a:ln>
+        </p:spPr>
+        <p:style>
+          <a:lnRef idx="1">
+            <a:schemeClr val="accent1"/>
+          </a:lnRef>
+          <a:fillRef idx="0">
+            <a:schemeClr val="accent1"/>
+          </a:fillRef>
+          <a:effectRef idx="0">
+            <a:schemeClr val="accent1"/>
+          </a:effectRef>
+          <a:fontRef idx="minor">
+            <a:schemeClr val="tx1"/>
+          </a:fontRef>
+        </p:style>
+      </p:cxnSp>
       <p:pic>
         <p:nvPicPr>
           <p:cNvPr id="34" name="Inhaltsplatzhalter 4"/>
@@ -17005,21 +17503,21 @@
         </p:blipFill>
         <p:spPr>
           <a:xfrm rot="16200000">
-            <a:off x="3110817" y="2657328"/>
-            <a:ext cx="3703637" cy="1851818"/>
+            <a:off x="6092999" y="2898580"/>
+            <a:ext cx="3088640" cy="1544320"/>
           </a:xfrm>
         </p:spPr>
       </p:pic>
       <p:sp>
         <p:nvSpPr>
-          <p:cNvPr id="10" name="Textfeld 9"/>
+          <p:cNvPr id="39" name="Textfeld 38"/>
           <p:cNvSpPr txBox="1"/>
           <p:nvPr/>
         </p:nvSpPr>
         <p:spPr>
           <a:xfrm>
-            <a:off x="673768" y="3291840"/>
-            <a:ext cx="3281668" cy="923330"/>
+            <a:off x="228188" y="1835148"/>
+            <a:ext cx="6280949" cy="3785652"/>
           </a:xfrm>
           <a:prstGeom prst="rect">
             <a:avLst/>
@@ -17027,36 +17525,115 @@
           <a:noFill/>
         </p:spPr>
         <p:txBody>
-          <a:bodyPr wrap="none" rtlCol="0">
+          <a:bodyPr wrap="square" rtlCol="0">
             <a:spAutoFit/>
           </a:bodyPr>
           <a:lstStyle/>
           <a:p>
-            <a:r>
-              <a:rPr lang="de-DE" dirty="0" smtClean="0"/>
-              <a:t>TODO </a:t>
-            </a:r>
-            <a:r>
-              <a:rPr lang="mr-IN" dirty="0" smtClean="0"/>
-              <a:t>–</a:t>
-            </a:r>
-            <a:r>
-              <a:rPr lang="de-DE" dirty="0" smtClean="0"/>
-              <a:t> Interpretation der Werte</a:t>
-            </a:r>
-          </a:p>
-          <a:p>
-            <a:r>
-              <a:rPr lang="de-DE" dirty="0" smtClean="0"/>
-              <a:t>- Toleranzen</a:t>
-            </a:r>
-          </a:p>
-          <a:p>
-            <a:r>
-              <a:rPr lang="de-DE" dirty="0" smtClean="0"/>
-              <a:t>- Umrechnung, etc.</a:t>
+            <a:pPr marL="317500" indent="-317500">
+              <a:lnSpc>
+                <a:spcPct val="150000"/>
+              </a:lnSpc>
+              <a:buFont typeface="+mj-lt"/>
+              <a:buAutoNum type="arabicPeriod"/>
+            </a:pPr>
+            <a:r>
+              <a:rPr lang="de-DE" sz="2000" dirty="0" smtClean="0"/>
+              <a:t>Erfassung eines Steuerwertes</a:t>
             </a:r>
             <a:endParaRPr lang="de-DE" dirty="0"/>
+          </a:p>
+          <a:p>
+            <a:pPr marL="317500" indent="-317500">
+              <a:lnSpc>
+                <a:spcPct val="150000"/>
+              </a:lnSpc>
+              <a:buFont typeface="+mj-lt"/>
+              <a:buAutoNum type="arabicPeriod"/>
+            </a:pPr>
+            <a:r>
+              <a:rPr lang="de-DE" sz="2000" dirty="0" smtClean="0"/>
+              <a:t>Skalierung des Steuerwertes um den 0-Punkt</a:t>
+            </a:r>
+          </a:p>
+          <a:p>
+            <a:pPr marL="317500" indent="-317500">
+              <a:lnSpc>
+                <a:spcPct val="150000"/>
+              </a:lnSpc>
+              <a:buFont typeface="+mj-lt"/>
+              <a:buAutoNum type="arabicPeriod"/>
+            </a:pPr>
+            <a:r>
+              <a:rPr lang="de-DE" sz="2000" dirty="0" smtClean="0"/>
+              <a:t>Umrechnung des Steuerwertes in seinen Prozentsatz</a:t>
+            </a:r>
+          </a:p>
+          <a:p>
+            <a:pPr marL="317500" indent="-317500">
+              <a:lnSpc>
+                <a:spcPct val="150000"/>
+              </a:lnSpc>
+              <a:buFont typeface="+mj-lt"/>
+              <a:buAutoNum type="arabicPeriod"/>
+            </a:pPr>
+            <a:r>
+              <a:rPr lang="de-DE" sz="2000" dirty="0" smtClean="0"/>
+              <a:t>Kalibrierung des Prozentsatzes</a:t>
+            </a:r>
+          </a:p>
+          <a:p>
+            <a:pPr marL="317500" indent="-317500">
+              <a:lnSpc>
+                <a:spcPct val="150000"/>
+              </a:lnSpc>
+              <a:buFont typeface="+mj-lt"/>
+              <a:buAutoNum type="arabicPeriod"/>
+            </a:pPr>
+            <a:r>
+              <a:rPr lang="de-DE" sz="2000" dirty="0" smtClean="0"/>
+              <a:t>Speicherung des Prozentsatzes</a:t>
+            </a:r>
+          </a:p>
+          <a:p>
+            <a:pPr marL="317500" indent="-317500">
+              <a:lnSpc>
+                <a:spcPct val="150000"/>
+              </a:lnSpc>
+              <a:buFont typeface="+mj-lt"/>
+              <a:buAutoNum type="arabicPeriod"/>
+            </a:pPr>
+            <a:r>
+              <a:rPr lang="de-DE" sz="2000" dirty="0" smtClean="0"/>
+              <a:t>Verarbeitung des Prozentsatzes</a:t>
+            </a:r>
+          </a:p>
+          <a:p>
+            <a:pPr marL="317500" indent="-317500">
+              <a:lnSpc>
+                <a:spcPct val="150000"/>
+              </a:lnSpc>
+              <a:buFont typeface="+mj-lt"/>
+              <a:buAutoNum type="arabicPeriod"/>
+            </a:pPr>
+            <a:r>
+              <a:rPr lang="de-DE" sz="2000" dirty="0" smtClean="0"/>
+              <a:t>Umrechnung des Prozentsatzes in seinen Aktuatorwert</a:t>
+            </a:r>
+          </a:p>
+          <a:p>
+            <a:pPr marL="317500" indent="-317500">
+              <a:lnSpc>
+                <a:spcPct val="150000"/>
+              </a:lnSpc>
+              <a:buFont typeface="+mj-lt"/>
+              <a:buAutoNum type="arabicPeriod"/>
+            </a:pPr>
+            <a:r>
+              <a:rPr lang="de-DE" sz="2000" dirty="0" smtClean="0"/>
+              <a:t>Anwendung des Aktuatorwertes</a:t>
+            </a:r>
+            <a:endParaRPr lang="de-DE" sz="2000" dirty="0"/>
           </a:p>
         </p:txBody>
       </p:sp>
@@ -17116,19 +17693,11 @@
               <a:rPr lang="de-DE" dirty="0" smtClean="0"/>
               <a:t>Steuerung</a:t>
             </a:r>
-            <a:r>
-              <a:rPr lang="mr-IN" dirty="0"/>
-              <a:t> – </a:t>
-            </a:r>
-            <a:r>
-              <a:rPr lang="de-DE" dirty="0" smtClean="0"/>
-              <a:t>Implementierung</a:t>
-            </a:r>
           </a:p>
           <a:p>
             <a:r>
               <a:rPr lang="de-DE" sz="1800" dirty="0" smtClean="0"/>
-              <a:t>Fahrzeug-seitig</a:t>
+              <a:t>Umsetzung</a:t>
             </a:r>
             <a:endParaRPr lang="de-DE" sz="1800" dirty="0"/>
           </a:p>
@@ -17159,207 +17728,813 @@
       </p:sp>
       <p:sp>
         <p:nvSpPr>
-          <p:cNvPr id="39" name="Textfeld 38"/>
-          <p:cNvSpPr txBox="1"/>
+          <p:cNvPr id="18" name="Akkord 17"/>
+          <p:cNvSpPr/>
+          <p:nvPr/>
+        </p:nvSpPr>
+        <p:spPr>
+          <a:xfrm rot="5853139">
+            <a:off x="4457355" y="2105449"/>
+            <a:ext cx="210728" cy="160737"/>
+          </a:xfrm>
+          <a:prstGeom prst="chord">
+            <a:avLst>
+              <a:gd name="adj1" fmla="val 5471233"/>
+              <a:gd name="adj2" fmla="val 16200000"/>
+            </a:avLst>
+          </a:prstGeom>
+          <a:solidFill>
+            <a:srgbClr val="00B050"/>
+          </a:solidFill>
+          <a:ln>
+            <a:solidFill>
+              <a:schemeClr val="accent6">
+                <a:lumMod val="60000"/>
+                <a:lumOff val="40000"/>
+              </a:schemeClr>
+            </a:solidFill>
+          </a:ln>
+        </p:spPr>
+        <p:style>
+          <a:lnRef idx="2">
+            <a:schemeClr val="accent1">
+              <a:shade val="50000"/>
+            </a:schemeClr>
+          </a:lnRef>
+          <a:fillRef idx="1">
+            <a:schemeClr val="accent1"/>
+          </a:fillRef>
+          <a:effectRef idx="0">
+            <a:schemeClr val="accent1"/>
+          </a:effectRef>
+          <a:fontRef idx="minor">
+            <a:schemeClr val="lt1"/>
+          </a:fontRef>
+        </p:style>
+        <p:txBody>
+          <a:bodyPr rtlCol="0" anchor="ctr"/>
+          <a:lstStyle/>
+          <a:p>
+            <a:pPr algn="ctr"/>
+            <a:endParaRPr lang="de-DE"/>
+          </a:p>
+        </p:txBody>
+      </p:sp>
+      <p:sp>
+        <p:nvSpPr>
+          <p:cNvPr id="19" name="Akkord 18"/>
+          <p:cNvSpPr/>
+          <p:nvPr/>
+        </p:nvSpPr>
+        <p:spPr>
+          <a:xfrm rot="4968192">
+            <a:off x="4160760" y="2100262"/>
+            <a:ext cx="210728" cy="160737"/>
+          </a:xfrm>
+          <a:prstGeom prst="chord">
+            <a:avLst>
+              <a:gd name="adj1" fmla="val 5471233"/>
+              <a:gd name="adj2" fmla="val 16200000"/>
+            </a:avLst>
+          </a:prstGeom>
+          <a:solidFill>
+            <a:srgbClr val="00B050"/>
+          </a:solidFill>
+          <a:ln>
+            <a:solidFill>
+              <a:schemeClr val="accent6">
+                <a:lumMod val="60000"/>
+                <a:lumOff val="40000"/>
+              </a:schemeClr>
+            </a:solidFill>
+          </a:ln>
+        </p:spPr>
+        <p:style>
+          <a:lnRef idx="2">
+            <a:schemeClr val="accent1">
+              <a:shade val="50000"/>
+            </a:schemeClr>
+          </a:lnRef>
+          <a:fillRef idx="1">
+            <a:schemeClr val="accent1"/>
+          </a:fillRef>
+          <a:effectRef idx="0">
+            <a:schemeClr val="accent1"/>
+          </a:effectRef>
+          <a:fontRef idx="minor">
+            <a:schemeClr val="lt1"/>
+          </a:fontRef>
+        </p:style>
+        <p:txBody>
+          <a:bodyPr rtlCol="0" anchor="ctr"/>
+          <a:lstStyle/>
+          <a:p>
+            <a:pPr algn="ctr"/>
+            <a:endParaRPr lang="de-DE"/>
+          </a:p>
+        </p:txBody>
+      </p:sp>
+      <p:sp>
+        <p:nvSpPr>
+          <p:cNvPr id="20" name="Akkord 19"/>
+          <p:cNvSpPr/>
+          <p:nvPr/>
+        </p:nvSpPr>
+        <p:spPr>
+          <a:xfrm rot="16200000">
+            <a:off x="4553802" y="5117624"/>
+            <a:ext cx="210728" cy="160737"/>
+          </a:xfrm>
+          <a:prstGeom prst="chord">
+            <a:avLst>
+              <a:gd name="adj1" fmla="val 5471233"/>
+              <a:gd name="adj2" fmla="val 16200000"/>
+            </a:avLst>
+          </a:prstGeom>
+          <a:solidFill>
+            <a:srgbClr val="FF0000"/>
+          </a:solidFill>
+          <a:ln>
+            <a:solidFill>
+              <a:schemeClr val="accent2">
+                <a:lumMod val="60000"/>
+                <a:lumOff val="40000"/>
+              </a:schemeClr>
+            </a:solidFill>
+          </a:ln>
+        </p:spPr>
+        <p:style>
+          <a:lnRef idx="2">
+            <a:schemeClr val="accent1">
+              <a:shade val="50000"/>
+            </a:schemeClr>
+          </a:lnRef>
+          <a:fillRef idx="1">
+            <a:schemeClr val="accent1"/>
+          </a:fillRef>
+          <a:effectRef idx="0">
+            <a:schemeClr val="accent1"/>
+          </a:effectRef>
+          <a:fontRef idx="minor">
+            <a:schemeClr val="lt1"/>
+          </a:fontRef>
+        </p:style>
+        <p:txBody>
+          <a:bodyPr rtlCol="0" anchor="ctr"/>
+          <a:lstStyle/>
+          <a:p>
+            <a:pPr algn="ctr"/>
+            <a:endParaRPr lang="de-DE"/>
+          </a:p>
+        </p:txBody>
+      </p:sp>
+      <p:sp>
+        <p:nvSpPr>
+          <p:cNvPr id="21" name="Akkord 20"/>
+          <p:cNvSpPr/>
+          <p:nvPr/>
+        </p:nvSpPr>
+        <p:spPr>
+          <a:xfrm rot="16200000">
+            <a:off x="4092233" y="5114250"/>
+            <a:ext cx="210728" cy="160737"/>
+          </a:xfrm>
+          <a:prstGeom prst="chord">
+            <a:avLst>
+              <a:gd name="adj1" fmla="val 5471233"/>
+              <a:gd name="adj2" fmla="val 16200000"/>
+            </a:avLst>
+          </a:prstGeom>
+          <a:solidFill>
+            <a:srgbClr val="FF0000"/>
+          </a:solidFill>
+          <a:ln>
+            <a:solidFill>
+              <a:schemeClr val="accent2">
+                <a:lumMod val="60000"/>
+                <a:lumOff val="40000"/>
+              </a:schemeClr>
+            </a:solidFill>
+          </a:ln>
+        </p:spPr>
+        <p:style>
+          <a:lnRef idx="2">
+            <a:schemeClr val="accent1">
+              <a:shade val="50000"/>
+            </a:schemeClr>
+          </a:lnRef>
+          <a:fillRef idx="1">
+            <a:schemeClr val="accent1"/>
+          </a:fillRef>
+          <a:effectRef idx="0">
+            <a:schemeClr val="accent1"/>
+          </a:effectRef>
+          <a:fontRef idx="minor">
+            <a:schemeClr val="lt1"/>
+          </a:fontRef>
+        </p:style>
+        <p:txBody>
+          <a:bodyPr rtlCol="0" anchor="ctr"/>
+          <a:lstStyle/>
+          <a:p>
+            <a:pPr algn="ctr"/>
+            <a:endParaRPr lang="de-DE"/>
+          </a:p>
+        </p:txBody>
+      </p:sp>
+      <p:sp>
+        <p:nvSpPr>
+          <p:cNvPr id="22" name="Akkord 21"/>
+          <p:cNvSpPr/>
+          <p:nvPr/>
+        </p:nvSpPr>
+        <p:spPr>
+          <a:xfrm rot="2918867">
+            <a:off x="3811621" y="2262625"/>
+            <a:ext cx="210728" cy="160737"/>
+          </a:xfrm>
+          <a:prstGeom prst="chord">
+            <a:avLst>
+              <a:gd name="adj1" fmla="val 5471233"/>
+              <a:gd name="adj2" fmla="val 16200000"/>
+            </a:avLst>
+          </a:prstGeom>
+          <a:solidFill>
+            <a:srgbClr val="FFC000"/>
+          </a:solidFill>
+          <a:ln>
+            <a:solidFill>
+              <a:schemeClr val="accent4">
+                <a:lumMod val="60000"/>
+                <a:lumOff val="40000"/>
+              </a:schemeClr>
+            </a:solidFill>
+          </a:ln>
+        </p:spPr>
+        <p:style>
+          <a:lnRef idx="2">
+            <a:schemeClr val="accent1">
+              <a:shade val="50000"/>
+            </a:schemeClr>
+          </a:lnRef>
+          <a:fillRef idx="1">
+            <a:schemeClr val="accent1"/>
+          </a:fillRef>
+          <a:effectRef idx="0">
+            <a:schemeClr val="accent1"/>
+          </a:effectRef>
+          <a:fontRef idx="minor">
+            <a:schemeClr val="lt1"/>
+          </a:fontRef>
+        </p:style>
+        <p:txBody>
+          <a:bodyPr rtlCol="0" anchor="ctr"/>
+          <a:lstStyle/>
+          <a:p>
+            <a:pPr algn="ctr"/>
+            <a:endParaRPr lang="de-DE"/>
+          </a:p>
+        </p:txBody>
+      </p:sp>
+      <p:sp>
+        <p:nvSpPr>
+          <p:cNvPr id="23" name="Akkord 22"/>
+          <p:cNvSpPr/>
+          <p:nvPr/>
+        </p:nvSpPr>
+        <p:spPr>
+          <a:xfrm rot="8022409">
+            <a:off x="4818747" y="2258276"/>
+            <a:ext cx="210728" cy="160737"/>
+          </a:xfrm>
+          <a:prstGeom prst="chord">
+            <a:avLst>
+              <a:gd name="adj1" fmla="val 5471233"/>
+              <a:gd name="adj2" fmla="val 16200000"/>
+            </a:avLst>
+          </a:prstGeom>
+          <a:solidFill>
+            <a:srgbClr val="FFC000"/>
+          </a:solidFill>
+          <a:ln>
+            <a:solidFill>
+              <a:schemeClr val="accent4">
+                <a:lumMod val="60000"/>
+                <a:lumOff val="40000"/>
+              </a:schemeClr>
+            </a:solidFill>
+          </a:ln>
+        </p:spPr>
+        <p:style>
+          <a:lnRef idx="2">
+            <a:schemeClr val="accent1">
+              <a:shade val="50000"/>
+            </a:schemeClr>
+          </a:lnRef>
+          <a:fillRef idx="1">
+            <a:schemeClr val="accent1"/>
+          </a:fillRef>
+          <a:effectRef idx="0">
+            <a:schemeClr val="accent1"/>
+          </a:effectRef>
+          <a:fontRef idx="minor">
+            <a:schemeClr val="lt1"/>
+          </a:fontRef>
+        </p:style>
+        <p:txBody>
+          <a:bodyPr rtlCol="0" anchor="ctr"/>
+          <a:lstStyle/>
+          <a:p>
+            <a:pPr algn="ctr"/>
+            <a:endParaRPr lang="de-DE"/>
+          </a:p>
+        </p:txBody>
+      </p:sp>
+      <p:sp>
+        <p:nvSpPr>
+          <p:cNvPr id="24" name="Akkord 23"/>
+          <p:cNvSpPr/>
+          <p:nvPr/>
+        </p:nvSpPr>
+        <p:spPr>
+          <a:xfrm rot="15154363">
+            <a:off x="4766121" y="5087744"/>
+            <a:ext cx="210728" cy="160737"/>
+          </a:xfrm>
+          <a:prstGeom prst="chord">
+            <a:avLst>
+              <a:gd name="adj1" fmla="val 5471233"/>
+              <a:gd name="adj2" fmla="val 16200000"/>
+            </a:avLst>
+          </a:prstGeom>
+          <a:solidFill>
+            <a:srgbClr val="FFC000"/>
+          </a:solidFill>
+          <a:ln>
+            <a:solidFill>
+              <a:schemeClr val="accent4">
+                <a:lumMod val="60000"/>
+                <a:lumOff val="40000"/>
+              </a:schemeClr>
+            </a:solidFill>
+          </a:ln>
+        </p:spPr>
+        <p:style>
+          <a:lnRef idx="2">
+            <a:schemeClr val="accent1">
+              <a:shade val="50000"/>
+            </a:schemeClr>
+          </a:lnRef>
+          <a:fillRef idx="1">
+            <a:schemeClr val="accent1"/>
+          </a:fillRef>
+          <a:effectRef idx="0">
+            <a:schemeClr val="accent1"/>
+          </a:effectRef>
+          <a:fontRef idx="minor">
+            <a:schemeClr val="lt1"/>
+          </a:fontRef>
+        </p:style>
+        <p:txBody>
+          <a:bodyPr rtlCol="0" anchor="ctr"/>
+          <a:lstStyle/>
+          <a:p>
+            <a:pPr algn="ctr"/>
+            <a:endParaRPr lang="de-DE"/>
+          </a:p>
+        </p:txBody>
+      </p:sp>
+      <p:sp>
+        <p:nvSpPr>
+          <p:cNvPr id="25" name="Akkord 24"/>
+          <p:cNvSpPr/>
+          <p:nvPr/>
+        </p:nvSpPr>
+        <p:spPr>
+          <a:xfrm rot="17031214">
+            <a:off x="3869558" y="5077186"/>
+            <a:ext cx="210728" cy="160737"/>
+          </a:xfrm>
+          <a:prstGeom prst="chord">
+            <a:avLst>
+              <a:gd name="adj1" fmla="val 5471233"/>
+              <a:gd name="adj2" fmla="val 16200000"/>
+            </a:avLst>
+          </a:prstGeom>
+          <a:solidFill>
+            <a:srgbClr val="FFC000"/>
+          </a:solidFill>
+          <a:ln>
+            <a:solidFill>
+              <a:schemeClr val="accent4">
+                <a:lumMod val="60000"/>
+                <a:lumOff val="40000"/>
+              </a:schemeClr>
+            </a:solidFill>
+          </a:ln>
+        </p:spPr>
+        <p:style>
+          <a:lnRef idx="2">
+            <a:schemeClr val="accent1">
+              <a:shade val="50000"/>
+            </a:schemeClr>
+          </a:lnRef>
+          <a:fillRef idx="1">
+            <a:schemeClr val="accent1"/>
+          </a:fillRef>
+          <a:effectRef idx="0">
+            <a:schemeClr val="accent1"/>
+          </a:effectRef>
+          <a:fontRef idx="minor">
+            <a:schemeClr val="lt1"/>
+          </a:fontRef>
+        </p:style>
+        <p:txBody>
+          <a:bodyPr rtlCol="0" anchor="ctr"/>
+          <a:lstStyle/>
+          <a:p>
+            <a:pPr algn="ctr"/>
+            <a:endParaRPr lang="de-DE"/>
+          </a:p>
+        </p:txBody>
+      </p:sp>
+      <p:sp>
+        <p:nvSpPr>
+          <p:cNvPr id="26" name="Abgerundetes Rechteck 25"/>
+          <p:cNvSpPr/>
+          <p:nvPr/>
+        </p:nvSpPr>
+        <p:spPr>
+          <a:xfrm rot="19890878">
+            <a:off x="4973587" y="2611437"/>
+            <a:ext cx="199500" cy="526679"/>
+          </a:xfrm>
+          <a:prstGeom prst="roundRect">
+            <a:avLst>
+              <a:gd name="adj" fmla="val 48667"/>
+            </a:avLst>
+          </a:prstGeom>
+          <a:noFill/>
+          <a:ln w="28575">
+            <a:solidFill>
+              <a:schemeClr val="bg1">
+                <a:lumMod val="50000"/>
+              </a:schemeClr>
+            </a:solidFill>
+            <a:prstDash val="sysDot"/>
+          </a:ln>
+        </p:spPr>
+        <p:style>
+          <a:lnRef idx="2">
+            <a:schemeClr val="accent1">
+              <a:shade val="50000"/>
+            </a:schemeClr>
+          </a:lnRef>
+          <a:fillRef idx="1">
+            <a:schemeClr val="accent1"/>
+          </a:fillRef>
+          <a:effectRef idx="0">
+            <a:schemeClr val="accent1"/>
+          </a:effectRef>
+          <a:fontRef idx="minor">
+            <a:schemeClr val="lt1"/>
+          </a:fontRef>
+        </p:style>
+        <p:txBody>
+          <a:bodyPr rtlCol="0" anchor="ctr"/>
+          <a:lstStyle/>
+          <a:p>
+            <a:pPr algn="ctr"/>
+            <a:endParaRPr lang="de-DE"/>
+          </a:p>
+        </p:txBody>
+      </p:sp>
+      <p:sp>
+        <p:nvSpPr>
+          <p:cNvPr id="27" name="Abgerundetes Rechteck 26"/>
+          <p:cNvSpPr/>
+          <p:nvPr/>
+        </p:nvSpPr>
+        <p:spPr>
+          <a:xfrm rot="19868009">
+            <a:off x="3667283" y="2611437"/>
+            <a:ext cx="199500" cy="526680"/>
+          </a:xfrm>
+          <a:prstGeom prst="roundRect">
+            <a:avLst>
+              <a:gd name="adj" fmla="val 48667"/>
+            </a:avLst>
+          </a:prstGeom>
+          <a:noFill/>
+          <a:ln w="28575">
+            <a:solidFill>
+              <a:schemeClr val="bg1">
+                <a:lumMod val="50000"/>
+              </a:schemeClr>
+            </a:solidFill>
+            <a:prstDash val="sysDot"/>
+          </a:ln>
+        </p:spPr>
+        <p:style>
+          <a:lnRef idx="2">
+            <a:schemeClr val="accent1">
+              <a:shade val="50000"/>
+            </a:schemeClr>
+          </a:lnRef>
+          <a:fillRef idx="1">
+            <a:schemeClr val="accent1"/>
+          </a:fillRef>
+          <a:effectRef idx="0">
+            <a:schemeClr val="accent1"/>
+          </a:effectRef>
+          <a:fontRef idx="minor">
+            <a:schemeClr val="lt1"/>
+          </a:fontRef>
+        </p:style>
+        <p:txBody>
+          <a:bodyPr rtlCol="0" anchor="ctr"/>
+          <a:lstStyle/>
+          <a:p>
+            <a:pPr algn="ctr"/>
+            <a:endParaRPr lang="de-DE"/>
+          </a:p>
+        </p:txBody>
+      </p:sp>
+      <p:sp>
+        <p:nvSpPr>
+          <p:cNvPr id="28" name="Abgerundetes Rechteck 27"/>
+          <p:cNvSpPr/>
           <p:nvPr/>
         </p:nvSpPr>
         <p:spPr>
           <a:xfrm>
-            <a:off x="255660" y="1507830"/>
-            <a:ext cx="5922000" cy="4893647"/>
-          </a:xfrm>
-          <a:prstGeom prst="rect">
+            <a:off x="3672163" y="2611438"/>
+            <a:ext cx="199500" cy="526680"/>
+          </a:xfrm>
+          <a:prstGeom prst="roundRect">
+            <a:avLst>
+              <a:gd name="adj" fmla="val 48667"/>
+            </a:avLst>
+          </a:prstGeom>
+          <a:solidFill>
+            <a:schemeClr val="tx1"/>
+          </a:solidFill>
+          <a:ln>
+            <a:noFill/>
+          </a:ln>
+        </p:spPr>
+        <p:style>
+          <a:lnRef idx="2">
+            <a:schemeClr val="accent1">
+              <a:shade val="50000"/>
+            </a:schemeClr>
+          </a:lnRef>
+          <a:fillRef idx="1">
+            <a:schemeClr val="accent1"/>
+          </a:fillRef>
+          <a:effectRef idx="0">
+            <a:schemeClr val="accent1"/>
+          </a:effectRef>
+          <a:fontRef idx="minor">
+            <a:schemeClr val="lt1"/>
+          </a:fontRef>
+        </p:style>
+        <p:txBody>
+          <a:bodyPr rtlCol="0" anchor="ctr"/>
+          <a:lstStyle/>
+          <a:p>
+            <a:pPr algn="ctr"/>
+            <a:endParaRPr lang="de-DE"/>
+          </a:p>
+        </p:txBody>
+      </p:sp>
+      <p:sp>
+        <p:nvSpPr>
+          <p:cNvPr id="29" name="Abgerundetes Rechteck 28"/>
+          <p:cNvSpPr/>
+          <p:nvPr/>
+        </p:nvSpPr>
+        <p:spPr>
+          <a:xfrm>
+            <a:off x="4963167" y="2611438"/>
+            <a:ext cx="199500" cy="526679"/>
+          </a:xfrm>
+          <a:prstGeom prst="roundRect">
+            <a:avLst>
+              <a:gd name="adj" fmla="val 48667"/>
+            </a:avLst>
+          </a:prstGeom>
+          <a:solidFill>
+            <a:schemeClr val="tx1"/>
+          </a:solidFill>
+          <a:ln>
+            <a:noFill/>
+          </a:ln>
+        </p:spPr>
+        <p:style>
+          <a:lnRef idx="2">
+            <a:schemeClr val="accent1">
+              <a:shade val="50000"/>
+            </a:schemeClr>
+          </a:lnRef>
+          <a:fillRef idx="1">
+            <a:schemeClr val="accent1"/>
+          </a:fillRef>
+          <a:effectRef idx="0">
+            <a:schemeClr val="accent1"/>
+          </a:effectRef>
+          <a:fontRef idx="minor">
+            <a:schemeClr val="lt1"/>
+          </a:fontRef>
+        </p:style>
+        <p:txBody>
+          <a:bodyPr rtlCol="0" anchor="ctr"/>
+          <a:lstStyle/>
+          <a:p>
+            <a:pPr algn="ctr"/>
+            <a:endParaRPr lang="de-DE"/>
+          </a:p>
+        </p:txBody>
+      </p:sp>
+      <p:sp>
+        <p:nvSpPr>
+          <p:cNvPr id="30" name="Abgerundetes Rechteck 29"/>
+          <p:cNvSpPr/>
+          <p:nvPr/>
+        </p:nvSpPr>
+        <p:spPr>
+          <a:xfrm>
+            <a:off x="3672163" y="4309847"/>
+            <a:ext cx="199500" cy="526680"/>
+          </a:xfrm>
+          <a:prstGeom prst="roundRect">
+            <a:avLst>
+              <a:gd name="adj" fmla="val 48667"/>
+            </a:avLst>
+          </a:prstGeom>
+          <a:solidFill>
+            <a:schemeClr val="tx1"/>
+          </a:solidFill>
+          <a:ln>
+            <a:noFill/>
+          </a:ln>
+        </p:spPr>
+        <p:style>
+          <a:lnRef idx="2">
+            <a:schemeClr val="accent1">
+              <a:shade val="50000"/>
+            </a:schemeClr>
+          </a:lnRef>
+          <a:fillRef idx="1">
+            <a:schemeClr val="accent1"/>
+          </a:fillRef>
+          <a:effectRef idx="0">
+            <a:schemeClr val="accent1"/>
+          </a:effectRef>
+          <a:fontRef idx="minor">
+            <a:schemeClr val="lt1"/>
+          </a:fontRef>
+        </p:style>
+        <p:txBody>
+          <a:bodyPr rtlCol="0" anchor="ctr"/>
+          <a:lstStyle/>
+          <a:p>
+            <a:pPr algn="ctr"/>
+            <a:endParaRPr lang="de-DE"/>
+          </a:p>
+        </p:txBody>
+      </p:sp>
+      <p:sp>
+        <p:nvSpPr>
+          <p:cNvPr id="31" name="Abgerundetes Rechteck 30"/>
+          <p:cNvSpPr/>
+          <p:nvPr/>
+        </p:nvSpPr>
+        <p:spPr>
+          <a:xfrm>
+            <a:off x="4963167" y="4309848"/>
+            <a:ext cx="199500" cy="526679"/>
+          </a:xfrm>
+          <a:prstGeom prst="roundRect">
+            <a:avLst>
+              <a:gd name="adj" fmla="val 48667"/>
+            </a:avLst>
+          </a:prstGeom>
+          <a:solidFill>
+            <a:schemeClr val="tx1"/>
+          </a:solidFill>
+          <a:ln>
+            <a:noFill/>
+          </a:ln>
+        </p:spPr>
+        <p:style>
+          <a:lnRef idx="2">
+            <a:schemeClr val="accent1">
+              <a:shade val="50000"/>
+            </a:schemeClr>
+          </a:lnRef>
+          <a:fillRef idx="1">
+            <a:schemeClr val="accent1"/>
+          </a:fillRef>
+          <a:effectRef idx="0">
+            <a:schemeClr val="accent1"/>
+          </a:effectRef>
+          <a:fontRef idx="minor">
+            <a:schemeClr val="lt1"/>
+          </a:fontRef>
+        </p:style>
+        <p:txBody>
+          <a:bodyPr rtlCol="0" anchor="ctr"/>
+          <a:lstStyle/>
+          <a:p>
+            <a:pPr algn="ctr"/>
+            <a:endParaRPr lang="de-DE"/>
+          </a:p>
+        </p:txBody>
+      </p:sp>
+      <p:cxnSp>
+        <p:nvCxnSpPr>
+          <p:cNvPr id="32" name="Gerade Verbindung mit Pfeil 31"/>
+          <p:cNvCxnSpPr/>
+          <p:nvPr/>
+        </p:nvCxnSpPr>
+        <p:spPr>
+          <a:xfrm>
+            <a:off x="3357843" y="3704121"/>
+            <a:ext cx="2090761" cy="0"/>
+          </a:xfrm>
+          <a:prstGeom prst="straightConnector1">
             <a:avLst/>
           </a:prstGeom>
-          <a:noFill/>
+          <a:ln w="57150">
+            <a:solidFill>
+              <a:srgbClr val="2E75B6"/>
+            </a:solidFill>
+            <a:headEnd type="triangle"/>
+            <a:tailEnd type="triangle"/>
+          </a:ln>
         </p:spPr>
-        <p:txBody>
-          <a:bodyPr wrap="square" rtlCol="0">
-            <a:spAutoFit/>
-          </a:bodyPr>
-          <a:lstStyle/>
-          <a:p>
-            <a:pPr marL="285750" indent="-285750">
-              <a:buFont typeface="Arial" charset="0"/>
-              <a:buChar char="•"/>
-            </a:pPr>
-            <a:r>
-              <a:rPr lang="de-DE" sz="2000" dirty="0" smtClean="0"/>
-              <a:t>Pololu Simple Motor Controller 24v12</a:t>
-            </a:r>
-          </a:p>
-          <a:p>
-            <a:pPr marL="742950" lvl="1" indent="-285750">
-              <a:buFont typeface="Arial" charset="0"/>
-              <a:buChar char="•"/>
-            </a:pPr>
-            <a:r>
-              <a:rPr lang="de-DE" dirty="0" smtClean="0"/>
-              <a:t>Ansteuerung: Serielle Schnittstelle</a:t>
-            </a:r>
-          </a:p>
-          <a:p>
-            <a:pPr marL="742950" lvl="1" indent="-285750">
-              <a:buFont typeface="Arial" charset="0"/>
-              <a:buChar char="•"/>
-            </a:pPr>
-            <a:r>
-              <a:rPr lang="de-DE" dirty="0" smtClean="0"/>
-              <a:t>Protokoll: Pololu Binary Commands</a:t>
-            </a:r>
-          </a:p>
-          <a:p>
-            <a:pPr marL="742950" lvl="1" indent="-285750">
-              <a:buFont typeface="Arial" charset="0"/>
-              <a:buChar char="•"/>
-            </a:pPr>
-            <a:r>
-              <a:rPr lang="de-DE" dirty="0" smtClean="0"/>
-              <a:t>Verkabelung: RX, TX und RST PINs</a:t>
-            </a:r>
-          </a:p>
-          <a:p>
-            <a:pPr marL="742950" lvl="1" indent="-285750">
-              <a:buFont typeface="Arial" charset="0"/>
-              <a:buChar char="•"/>
-            </a:pPr>
-            <a:r>
-              <a:rPr lang="de-DE" dirty="0" smtClean="0"/>
-              <a:t>Steuerung im Bereich von -1000 bis 1000</a:t>
-            </a:r>
-          </a:p>
-          <a:p>
-            <a:pPr marL="1200150" lvl="2" indent="-285750">
-              <a:buFont typeface="Arial" charset="0"/>
-              <a:buChar char="•"/>
-            </a:pPr>
-            <a:r>
-              <a:rPr lang="de-DE" dirty="0" smtClean="0"/>
-              <a:t>negativer Wert = vorwärts fahren</a:t>
-            </a:r>
-          </a:p>
-          <a:p>
-            <a:pPr marL="1200150" lvl="2" indent="-285750">
-              <a:buFont typeface="Arial" charset="0"/>
-              <a:buChar char="•"/>
-            </a:pPr>
-            <a:r>
-              <a:rPr lang="de-DE" dirty="0" smtClean="0"/>
-              <a:t>positiver Wert = rückwärts fahren</a:t>
-            </a:r>
-          </a:p>
-          <a:p>
-            <a:pPr marL="1200150" lvl="2" indent="-285750">
-              <a:buFont typeface="Arial" charset="0"/>
-              <a:buChar char="•"/>
-            </a:pPr>
-            <a:endParaRPr lang="de-DE" sz="1000" dirty="0" smtClean="0"/>
-          </a:p>
-          <a:p>
-            <a:pPr marL="285750" indent="-285750">
-              <a:buFont typeface="Arial" charset="0"/>
-              <a:buChar char="•"/>
-            </a:pPr>
-            <a:r>
-              <a:rPr lang="de-DE" sz="2000" dirty="0" smtClean="0"/>
-              <a:t>RC-Car </a:t>
-            </a:r>
-            <a:r>
-              <a:rPr lang="de-DE" sz="2000" dirty="0"/>
-              <a:t>Servo 4519 DBB MG</a:t>
-            </a:r>
-          </a:p>
-          <a:p>
-            <a:pPr marL="742950" lvl="1" indent="-285750">
-              <a:buFont typeface="Arial" charset="0"/>
-              <a:buChar char="•"/>
-            </a:pPr>
-            <a:r>
-              <a:rPr lang="de-DE" dirty="0"/>
-              <a:t>Ansteuerung: Arduino Servo Library</a:t>
-            </a:r>
-          </a:p>
-          <a:p>
-            <a:pPr marL="742950" lvl="1" indent="-285750">
-              <a:buFont typeface="Arial" charset="0"/>
-              <a:buChar char="•"/>
-            </a:pPr>
-            <a:r>
-              <a:rPr lang="de-DE" dirty="0"/>
-              <a:t>Funktionsweise: 16 Bit Timer zur PWM</a:t>
-            </a:r>
-          </a:p>
-          <a:p>
-            <a:pPr marL="742950" lvl="1" indent="-285750">
-              <a:buFont typeface="Arial" charset="0"/>
-              <a:buChar char="•"/>
-            </a:pPr>
-            <a:r>
-              <a:rPr lang="de-DE" dirty="0"/>
-              <a:t>Verkabelung: SIG </a:t>
-            </a:r>
-            <a:r>
-              <a:rPr lang="de-DE" dirty="0" smtClean="0"/>
-              <a:t>PIN</a:t>
-            </a:r>
-          </a:p>
-          <a:p>
-            <a:pPr marL="742950" lvl="1" indent="-285750">
-              <a:buFont typeface="Arial" charset="0"/>
-              <a:buChar char="•"/>
-            </a:pPr>
-            <a:r>
-              <a:rPr lang="de-DE" dirty="0" smtClean="0"/>
-              <a:t>Steuerung im Bereich von 1100 bis 1600</a:t>
-            </a:r>
-          </a:p>
-          <a:p>
-            <a:pPr marL="1200150" lvl="2" indent="-285750">
-              <a:buFont typeface="Arial" charset="0"/>
-              <a:buChar char="•"/>
-            </a:pPr>
-            <a:r>
-              <a:rPr lang="de-DE" dirty="0" smtClean="0"/>
-              <a:t>linker Anschlag: 1100</a:t>
-            </a:r>
-          </a:p>
-          <a:p>
-            <a:pPr marL="1200150" lvl="2" indent="-285750">
-              <a:buFont typeface="Arial" charset="0"/>
-              <a:buChar char="•"/>
-            </a:pPr>
-            <a:r>
-              <a:rPr lang="de-DE" dirty="0" smtClean="0"/>
-              <a:t>neutrale Stellung: 1365</a:t>
-            </a:r>
-          </a:p>
-          <a:p>
-            <a:pPr marL="1200150" lvl="2" indent="-285750">
-              <a:buFont typeface="Arial" charset="0"/>
-              <a:buChar char="•"/>
-            </a:pPr>
-            <a:r>
-              <a:rPr lang="de-DE" dirty="0" smtClean="0"/>
-              <a:t>rechter Anschlag: 1600</a:t>
-            </a:r>
-            <a:endParaRPr lang="de-DE" dirty="0"/>
-          </a:p>
-          <a:p>
-            <a:pPr marL="742950" lvl="1" indent="-285750">
-              <a:buFont typeface="Arial" charset="0"/>
-              <a:buChar char="•"/>
-            </a:pPr>
-            <a:endParaRPr lang="de-DE" dirty="0" smtClean="0"/>
-          </a:p>
-        </p:txBody>
-      </p:sp>
+        <p:style>
+          <a:lnRef idx="1">
+            <a:schemeClr val="accent1"/>
+          </a:lnRef>
+          <a:fillRef idx="0">
+            <a:schemeClr val="accent1"/>
+          </a:fillRef>
+          <a:effectRef idx="0">
+            <a:schemeClr val="accent1"/>
+          </a:effectRef>
+          <a:fontRef idx="minor">
+            <a:schemeClr val="tx1"/>
+          </a:fontRef>
+        </p:style>
+      </p:cxnSp>
+      <p:cxnSp>
+        <p:nvCxnSpPr>
+          <p:cNvPr id="33" name="Gerade Verbindung mit Pfeil 32"/>
+          <p:cNvCxnSpPr/>
+          <p:nvPr/>
+        </p:nvCxnSpPr>
+        <p:spPr>
+          <a:xfrm flipH="1" flipV="1">
+            <a:off x="4403223" y="1751798"/>
+            <a:ext cx="0" cy="3840480"/>
+          </a:xfrm>
+          <a:prstGeom prst="straightConnector1">
+            <a:avLst/>
+          </a:prstGeom>
+          <a:ln w="57150">
+            <a:solidFill>
+              <a:srgbClr val="2E75B6"/>
+            </a:solidFill>
+            <a:headEnd type="triangle"/>
+            <a:tailEnd type="triangle"/>
+          </a:ln>
+        </p:spPr>
+        <p:style>
+          <a:lnRef idx="1">
+            <a:schemeClr val="accent1"/>
+          </a:lnRef>
+          <a:fillRef idx="0">
+            <a:schemeClr val="accent1"/>
+          </a:fillRef>
+          <a:effectRef idx="0">
+            <a:schemeClr val="accent1"/>
+          </a:effectRef>
+          <a:fontRef idx="minor">
+            <a:schemeClr val="tx1"/>
+          </a:fontRef>
+        </p:style>
+      </p:cxnSp>
       <p:pic>
         <p:nvPicPr>
-          <p:cNvPr id="14" name="Bild 13"/>
+          <p:cNvPr id="34" name="Inhaltsplatzhalter 4"/>
           <p:cNvPicPr>
-            <a:picLocks noChangeAspect="1"/>
+            <a:picLocks noGrp="1" noChangeAspect="1"/>
           </p:cNvPicPr>
-          <p:nvPr/>
+          <p:nvPr>
+            <p:ph idx="1"/>
+          </p:nvPr>
         </p:nvPicPr>
         <p:blipFill>
           <a:blip r:embed="rId2">
@@ -17374,69 +18549,176 @@
           </a:stretch>
         </p:blipFill>
         <p:spPr>
+          <a:xfrm rot="16200000">
+            <a:off x="2868528" y="2898580"/>
+            <a:ext cx="3088640" cy="1544320"/>
+          </a:xfrm>
+        </p:spPr>
+      </p:pic>
+      <p:sp>
+        <p:nvSpPr>
+          <p:cNvPr id="35" name="Textfeld 34"/>
+          <p:cNvSpPr txBox="1"/>
+          <p:nvPr/>
+        </p:nvSpPr>
+        <p:spPr>
           <a:xfrm>
-            <a:off x="6070462" y="1507830"/>
-            <a:ext cx="2476772" cy="1851387"/>
+            <a:off x="506229" y="3519455"/>
+            <a:ext cx="2851614" cy="369332"/>
           </a:xfrm>
           <a:prstGeom prst="rect">
             <a:avLst/>
           </a:prstGeom>
-          <a:ln>
-            <a:noFill/>
-          </a:ln>
-          <a:effectLst>
-            <a:outerShdw blurRad="152400" dist="88900" dir="4140000" sx="104000" sy="104000" algn="tl" rotWithShape="0">
-              <a:srgbClr val="333333">
-                <a:alpha val="42000"/>
-              </a:srgbClr>
-            </a:outerShdw>
-          </a:effectLst>
+          <a:noFill/>
         </p:spPr>
-      </p:pic>
-      <p:pic>
-        <p:nvPicPr>
-          <p:cNvPr id="16" name="Bild 15"/>
-          <p:cNvPicPr>
-            <a:picLocks noChangeAspect="1"/>
-          </p:cNvPicPr>
+        <p:txBody>
+          <a:bodyPr wrap="none" rtlCol="0">
+            <a:spAutoFit/>
+          </a:bodyPr>
+          <a:lstStyle/>
+          <a:p>
+            <a:r>
+              <a:rPr lang="de-DE" dirty="0" smtClean="0"/>
+              <a:t>-100% = Anschlag nach </a:t>
+            </a:r>
+            <a:r>
+              <a:rPr lang="de-DE" b="1" dirty="0" smtClean="0"/>
+              <a:t>links</a:t>
+            </a:r>
+            <a:endParaRPr lang="de-DE" sz="1400" b="1" dirty="0"/>
+          </a:p>
+        </p:txBody>
+      </p:sp>
+      <p:sp>
+        <p:nvSpPr>
+          <p:cNvPr id="36" name="Textfeld 35"/>
+          <p:cNvSpPr txBox="1"/>
           <p:nvPr/>
-        </p:nvPicPr>
-        <p:blipFill>
-          <a:blip r:embed="rId3">
-            <a:extLst>
-              <a:ext uri="{28A0092B-C50C-407E-A947-70E740481C1C}">
-                <a14:useLocalDpi xmlns:a14="http://schemas.microsoft.com/office/drawing/2010/main" val="0"/>
-              </a:ext>
-            </a:extLst>
-          </a:blip>
-          <a:stretch>
-            <a:fillRect/>
-          </a:stretch>
-        </p:blipFill>
+        </p:nvSpPr>
         <p:spPr>
           <a:xfrm>
-            <a:off x="6237170" y="3746029"/>
-            <a:ext cx="1904486" cy="2102617"/>
+            <a:off x="5448604" y="3519455"/>
+            <a:ext cx="3061502" cy="369332"/>
           </a:xfrm>
           <a:prstGeom prst="rect">
             <a:avLst/>
           </a:prstGeom>
-          <a:ln>
-            <a:noFill/>
-          </a:ln>
-          <a:effectLst>
-            <a:outerShdw blurRad="152400" dist="88900" dir="4140000" sx="104000" sy="104000" algn="tl" rotWithShape="0">
-              <a:srgbClr val="333333">
-                <a:alpha val="42000"/>
-              </a:srgbClr>
-            </a:outerShdw>
-          </a:effectLst>
+          <a:noFill/>
         </p:spPr>
-      </p:pic>
+        <p:txBody>
+          <a:bodyPr wrap="square" rtlCol="0">
+            <a:spAutoFit/>
+          </a:bodyPr>
+          <a:lstStyle/>
+          <a:p>
+            <a:r>
+              <a:rPr lang="de-DE" dirty="0" smtClean="0"/>
+              <a:t>+</a:t>
+            </a:r>
+            <a:r>
+              <a:rPr lang="de-DE" dirty="0" smtClean="0"/>
+              <a:t>100% = </a:t>
+            </a:r>
+            <a:r>
+              <a:rPr lang="de-DE" dirty="0"/>
+              <a:t>Anschlag nach </a:t>
+            </a:r>
+            <a:r>
+              <a:rPr lang="de-DE" b="1" dirty="0" smtClean="0"/>
+              <a:t>rechts</a:t>
+            </a:r>
+            <a:endParaRPr lang="de-DE" b="1" dirty="0"/>
+          </a:p>
+        </p:txBody>
+      </p:sp>
+      <p:sp>
+        <p:nvSpPr>
+          <p:cNvPr id="37" name="Textfeld 36"/>
+          <p:cNvSpPr txBox="1"/>
+          <p:nvPr/>
+        </p:nvSpPr>
+        <p:spPr>
+          <a:xfrm>
+            <a:off x="2337752" y="1441993"/>
+            <a:ext cx="4130939" cy="369332"/>
+          </a:xfrm>
+          <a:prstGeom prst="rect">
+            <a:avLst/>
+          </a:prstGeom>
+          <a:noFill/>
+        </p:spPr>
+        <p:txBody>
+          <a:bodyPr wrap="none" rtlCol="0">
+            <a:spAutoFit/>
+          </a:bodyPr>
+          <a:lstStyle/>
+          <a:p>
+            <a:r>
+              <a:rPr lang="de-DE" dirty="0" smtClean="0"/>
+              <a:t>+</a:t>
+            </a:r>
+            <a:r>
+              <a:rPr lang="de-DE" dirty="0" smtClean="0"/>
+              <a:t>100% = volle Beschleunigung nach </a:t>
+            </a:r>
+            <a:r>
+              <a:rPr lang="de-DE" b="1" dirty="0" smtClean="0"/>
+              <a:t>vorne</a:t>
+            </a:r>
+            <a:endParaRPr lang="de-DE" sz="1400" b="1" dirty="0"/>
+          </a:p>
+        </p:txBody>
+      </p:sp>
+      <p:sp>
+        <p:nvSpPr>
+          <p:cNvPr id="38" name="Textfeld 37"/>
+          <p:cNvSpPr txBox="1"/>
+          <p:nvPr/>
+        </p:nvSpPr>
+        <p:spPr>
+          <a:xfrm>
+            <a:off x="2337753" y="5539318"/>
+            <a:ext cx="4130938" cy="369332"/>
+          </a:xfrm>
+          <a:prstGeom prst="rect">
+            <a:avLst/>
+          </a:prstGeom>
+          <a:noFill/>
+        </p:spPr>
+        <p:txBody>
+          <a:bodyPr wrap="square" rtlCol="0">
+            <a:spAutoFit/>
+          </a:bodyPr>
+          <a:lstStyle/>
+          <a:p>
+            <a:r>
+              <a:rPr lang="de-DE" dirty="0" smtClean="0"/>
+              <a:t>-</a:t>
+            </a:r>
+            <a:r>
+              <a:rPr lang="de-DE" dirty="0" smtClean="0"/>
+              <a:t>100% = v</a:t>
+            </a:r>
+            <a:r>
+              <a:rPr lang="de-DE" dirty="0" smtClean="0"/>
+              <a:t>olle </a:t>
+            </a:r>
+            <a:r>
+              <a:rPr lang="de-DE" dirty="0"/>
+              <a:t>Beschleunigung nach </a:t>
+            </a:r>
+            <a:r>
+              <a:rPr lang="de-DE" b="1" dirty="0" smtClean="0"/>
+              <a:t>hinten</a:t>
+            </a:r>
+            <a:endParaRPr lang="de-DE" b="1" dirty="0"/>
+          </a:p>
+        </p:txBody>
+      </p:sp>
     </p:spTree>
     <p:extLst>
       <p:ext uri="{BB962C8B-B14F-4D97-AF65-F5344CB8AC3E}">
-        <p14:creationId xmlns:p14="http://schemas.microsoft.com/office/powerpoint/2010/main" val="382470826"/>
+        <p14:creationId xmlns:p14="http://schemas.microsoft.com/office/powerpoint/2010/main" val="1573323063"/>
       </p:ext>
     </p:extLst>
   </p:cSld>
@@ -17501,7 +18783,7 @@
           <a:p>
             <a:r>
               <a:rPr lang="de-DE" sz="1800" dirty="0" smtClean="0"/>
-              <a:t>Controller-seitig: XBOX 360 USB Controller</a:t>
+              <a:t>Fahrzeug-seitig</a:t>
             </a:r>
             <a:endParaRPr lang="de-DE" sz="1800" dirty="0"/>
           </a:p>
@@ -17538,8 +18820,8 @@
         </p:nvSpPr>
         <p:spPr>
           <a:xfrm>
-            <a:off x="255659" y="1507830"/>
-            <a:ext cx="5923760" cy="3970318"/>
+            <a:off x="255660" y="1507830"/>
+            <a:ext cx="5922000" cy="4893647"/>
           </a:xfrm>
           <a:prstGeom prst="rect">
             <a:avLst/>
@@ -17557,17 +18839,76 @@
               <a:buChar char="•"/>
             </a:pPr>
             <a:r>
+              <a:rPr lang="de-DE" sz="2000" dirty="0" smtClean="0"/>
+              <a:t>Pololu Simple Motor Controller 24v12</a:t>
+            </a:r>
+          </a:p>
+          <a:p>
+            <a:pPr marL="742950" lvl="1" indent="-285750">
+              <a:buFont typeface="Arial" charset="0"/>
+              <a:buChar char="•"/>
+            </a:pPr>
+            <a:r>
               <a:rPr lang="de-DE" dirty="0" smtClean="0"/>
-              <a:t>Ansteuerung: USB Host </a:t>
-            </a:r>
-            <a:r>
-              <a:rPr lang="de-DE" dirty="0" err="1" smtClean="0"/>
-              <a:t>Shield</a:t>
-            </a:r>
+              <a:t>Ansteuerung: Serielle Schnittstelle</a:t>
+            </a:r>
+          </a:p>
+          <a:p>
+            <a:pPr marL="742950" lvl="1" indent="-285750">
+              <a:buFont typeface="Arial" charset="0"/>
+              <a:buChar char="•"/>
+            </a:pPr>
             <a:r>
               <a:rPr lang="de-DE" dirty="0" smtClean="0"/>
-              <a:t> Library 2.0</a:t>
-            </a:r>
+              <a:t>Protokoll: Pololu Binary Commands</a:t>
+            </a:r>
+          </a:p>
+          <a:p>
+            <a:pPr marL="742950" lvl="1" indent="-285750">
+              <a:buFont typeface="Arial" charset="0"/>
+              <a:buChar char="•"/>
+            </a:pPr>
+            <a:r>
+              <a:rPr lang="de-DE" dirty="0" smtClean="0"/>
+              <a:t>Verkabelung: RX, TX und RST PINs</a:t>
+            </a:r>
+          </a:p>
+          <a:p>
+            <a:pPr marL="742950" lvl="1" indent="-285750">
+              <a:buFont typeface="Arial" charset="0"/>
+              <a:buChar char="•"/>
+            </a:pPr>
+            <a:r>
+              <a:rPr lang="de-DE" dirty="0" smtClean="0"/>
+              <a:t>Steuerung im Bereich von -1000 bis 1000</a:t>
+            </a:r>
+          </a:p>
+          <a:p>
+            <a:pPr marL="1200150" lvl="2" indent="-285750">
+              <a:buFont typeface="Arial" charset="0"/>
+              <a:buChar char="•"/>
+            </a:pPr>
+            <a:r>
+              <a:rPr lang="de-DE" dirty="0" smtClean="0"/>
+              <a:t>negativer Wert = vorwärts fahren</a:t>
+            </a:r>
+          </a:p>
+          <a:p>
+            <a:pPr marL="1200150" lvl="2" indent="-285750">
+              <a:buFont typeface="Arial" charset="0"/>
+              <a:buChar char="•"/>
+            </a:pPr>
+            <a:r>
+              <a:rPr lang="de-DE" dirty="0" smtClean="0"/>
+              <a:t>positiver Wert = rückwärts fahren</a:t>
+            </a:r>
+          </a:p>
+          <a:p>
+            <a:pPr marL="1200150" lvl="2" indent="-285750">
+              <a:buFont typeface="Arial" charset="0"/>
+              <a:buChar char="•"/>
+            </a:pPr>
+            <a:endParaRPr lang="de-DE" sz="1000" dirty="0" smtClean="0"/>
           </a:p>
           <a:p>
             <a:pPr marL="285750" indent="-285750">
@@ -17575,43 +18916,12 @@
               <a:buChar char="•"/>
             </a:pPr>
             <a:r>
-              <a:rPr lang="de-DE" dirty="0" smtClean="0"/>
-              <a:t>Funktionsweise: „XBOXUSB“ Treiber</a:t>
-            </a:r>
-          </a:p>
-          <a:p>
-            <a:pPr marL="285750" indent="-285750">
-              <a:buFont typeface="Arial" charset="0"/>
-              <a:buChar char="•"/>
-            </a:pPr>
-            <a:r>
-              <a:rPr lang="de-DE" dirty="0" smtClean="0"/>
-              <a:t>Verkabelung: über USB </a:t>
-            </a:r>
-            <a:r>
-              <a:rPr lang="de-DE" dirty="0" err="1" smtClean="0"/>
-              <a:t>Shield</a:t>
-            </a:r>
-            <a:r>
-              <a:rPr lang="de-DE" dirty="0" smtClean="0"/>
-              <a:t> auf Arduino</a:t>
-            </a:r>
-          </a:p>
-          <a:p>
-            <a:pPr marL="285750" indent="-285750">
-              <a:buFont typeface="Arial" charset="0"/>
-              <a:buChar char="•"/>
-            </a:pPr>
-            <a:endParaRPr lang="de-DE" dirty="0" smtClean="0"/>
-          </a:p>
-          <a:p>
-            <a:pPr marL="285750" indent="-285750">
-              <a:buFont typeface="Arial" charset="0"/>
-              <a:buChar char="•"/>
-            </a:pPr>
-            <a:r>
-              <a:rPr lang="de-DE" dirty="0" smtClean="0"/>
-              <a:t>Steuerung (mit Sticks): im Bereich -32.768 bis 32.768</a:t>
+              <a:rPr lang="de-DE" sz="2000" dirty="0" smtClean="0"/>
+              <a:t>RC-Car </a:t>
+            </a:r>
+            <a:r>
+              <a:rPr lang="de-DE" sz="2000" dirty="0"/>
+              <a:t>Servo 4519 DBB MG</a:t>
             </a:r>
           </a:p>
           <a:p>
@@ -17620,8 +18930,8 @@
               <a:buChar char="•"/>
             </a:pPr>
             <a:r>
-              <a:rPr lang="de-DE" dirty="0" smtClean="0"/>
-              <a:t>negativer Wert = links lenken / rückwärts fahren</a:t>
+              <a:rPr lang="de-DE" dirty="0"/>
+              <a:t>Ansteuerung: Arduino Servo Library</a:t>
             </a:r>
           </a:p>
           <a:p>
@@ -17630,8 +18940,8 @@
               <a:buChar char="•"/>
             </a:pPr>
             <a:r>
-              <a:rPr lang="de-DE" dirty="0" smtClean="0"/>
-              <a:t>positiver Wert = rechts lenken / vorwärts fahren</a:t>
+              <a:rPr lang="de-DE" dirty="0"/>
+              <a:t>Funktionsweise: 16 Bit Timer zur PWM</a:t>
             </a:r>
           </a:p>
           <a:p>
@@ -17640,8 +18950,12 @@
               <a:buChar char="•"/>
             </a:pPr>
             <a:r>
+              <a:rPr lang="de-DE" dirty="0"/>
+              <a:t>Verkabelung: SIG </a:t>
+            </a:r>
+            <a:r>
               <a:rPr lang="de-DE" dirty="0" smtClean="0"/>
-              <a:t>Steuerwert für Lenkung: (LS_X / 32.768)</a:t>
+              <a:t>PIN</a:t>
             </a:r>
           </a:p>
           <a:p>
@@ -17651,8 +18965,39 @@
             </a:pPr>
             <a:r>
               <a:rPr lang="de-DE" dirty="0" smtClean="0"/>
-              <a:t>Steuerwert für Beschleunigung: (RS_Y / 32.768)</a:t>
-            </a:r>
+              <a:t>Steuerung im Bereich von 1100 bis 1600</a:t>
+            </a:r>
+          </a:p>
+          <a:p>
+            <a:pPr marL="1200150" lvl="2" indent="-285750">
+              <a:buFont typeface="Arial" charset="0"/>
+              <a:buChar char="•"/>
+            </a:pPr>
+            <a:r>
+              <a:rPr lang="de-DE" dirty="0" smtClean="0"/>
+              <a:t>linker Anschlag: 1100</a:t>
+            </a:r>
+          </a:p>
+          <a:p>
+            <a:pPr marL="1200150" lvl="2" indent="-285750">
+              <a:buFont typeface="Arial" charset="0"/>
+              <a:buChar char="•"/>
+            </a:pPr>
+            <a:r>
+              <a:rPr lang="de-DE" dirty="0" smtClean="0"/>
+              <a:t>neutrale Stellung: 1365</a:t>
+            </a:r>
+          </a:p>
+          <a:p>
+            <a:pPr marL="1200150" lvl="2" indent="-285750">
+              <a:buFont typeface="Arial" charset="0"/>
+              <a:buChar char="•"/>
+            </a:pPr>
+            <a:r>
+              <a:rPr lang="de-DE" dirty="0" smtClean="0"/>
+              <a:t>rechter Anschlag: 1600</a:t>
+            </a:r>
+            <a:endParaRPr lang="de-DE" dirty="0"/>
           </a:p>
           <a:p>
             <a:pPr marL="742950" lvl="1" indent="-285750">
@@ -17661,57 +19006,15 @@
             </a:pPr>
             <a:endParaRPr lang="de-DE" dirty="0" smtClean="0"/>
           </a:p>
-          <a:p>
-            <a:pPr marL="285750" indent="-285750">
-              <a:buFont typeface="Arial" charset="0"/>
-              <a:buChar char="•"/>
-            </a:pPr>
-            <a:r>
-              <a:rPr lang="de-DE" dirty="0" smtClean="0"/>
-              <a:t>Steuerung (mit Trigger): im Bereich 0 bis 255</a:t>
-            </a:r>
-          </a:p>
-          <a:p>
-            <a:pPr marL="742950" lvl="1" indent="-285750">
-              <a:buFont typeface="Arial" charset="0"/>
-              <a:buChar char="•"/>
-            </a:pPr>
-            <a:r>
-              <a:rPr lang="de-DE" dirty="0" smtClean="0"/>
-              <a:t>bei linken Trigger: Rückwärts fahren</a:t>
-            </a:r>
-          </a:p>
-          <a:p>
-            <a:pPr marL="742950" lvl="1" indent="-285750">
-              <a:buFont typeface="Arial" charset="0"/>
-              <a:buChar char="•"/>
-            </a:pPr>
-            <a:r>
-              <a:rPr lang="de-DE" dirty="0" smtClean="0"/>
-              <a:t>bei rechten Trigger: Vorwärts fahren</a:t>
-            </a:r>
-          </a:p>
-          <a:p>
-            <a:pPr marL="742950" lvl="1" indent="-285750">
-              <a:buFont typeface="Arial" charset="0"/>
-              <a:buChar char="•"/>
-            </a:pPr>
-            <a:r>
-              <a:rPr lang="de-DE" dirty="0" smtClean="0"/>
-              <a:t>Steuerwert für Beschleunigung: (-LT + RT) / 255</a:t>
-            </a:r>
-          </a:p>
         </p:txBody>
       </p:sp>
       <p:pic>
         <p:nvPicPr>
-          <p:cNvPr id="7" name="Inhaltsplatzhalter 4"/>
+          <p:cNvPr id="14" name="Bild 13"/>
           <p:cNvPicPr>
-            <a:picLocks noGrp="1" noChangeAspect="1"/>
+            <a:picLocks noChangeAspect="1"/>
           </p:cNvPicPr>
-          <p:nvPr>
-            <p:ph idx="1"/>
-          </p:nvPr>
+          <p:nvPr/>
         </p:nvPicPr>
         <p:blipFill>
           <a:blip r:embed="rId2">
@@ -17727,8 +19030,8 @@
         </p:blipFill>
         <p:spPr>
           <a:xfrm>
-            <a:off x="6251971" y="1507830"/>
-            <a:ext cx="2227886" cy="1576540"/>
+            <a:off x="6070462" y="1507830"/>
+            <a:ext cx="2476772" cy="1851387"/>
           </a:xfrm>
           <a:prstGeom prst="rect">
             <a:avLst/>
@@ -17747,7 +19050,7 @@
       </p:pic>
       <p:pic>
         <p:nvPicPr>
-          <p:cNvPr id="5" name="Bild 4"/>
+          <p:cNvPr id="16" name="Bild 15"/>
           <p:cNvPicPr>
             <a:picLocks noChangeAspect="1"/>
           </p:cNvPicPr>
@@ -17767,8 +19070,8 @@
         </p:blipFill>
         <p:spPr>
           <a:xfrm>
-            <a:off x="6949959" y="3639147"/>
-            <a:ext cx="831908" cy="399316"/>
+            <a:off x="6237170" y="3746029"/>
+            <a:ext cx="1904486" cy="2102617"/>
           </a:xfrm>
           <a:prstGeom prst="rect">
             <a:avLst/>
@@ -17785,40 +19088,10 @@
           </a:effectLst>
         </p:spPr>
       </p:pic>
-      <p:pic>
-        <p:nvPicPr>
-          <p:cNvPr id="8" name="Bild 7"/>
-          <p:cNvPicPr>
-            <a:picLocks noChangeAspect="1"/>
-          </p:cNvPicPr>
-          <p:nvPr/>
-        </p:nvPicPr>
-        <p:blipFill>
-          <a:blip r:embed="rId4">
-            <a:extLst>
-              <a:ext uri="{28A0092B-C50C-407E-A947-70E740481C1C}">
-                <a14:useLocalDpi xmlns:a14="http://schemas.microsoft.com/office/drawing/2010/main" val="0"/>
-              </a:ext>
-            </a:extLst>
-          </a:blip>
-          <a:stretch>
-            <a:fillRect/>
-          </a:stretch>
-        </p:blipFill>
-        <p:spPr>
-          <a:xfrm>
-            <a:off x="6107584" y="4698912"/>
-            <a:ext cx="2633397" cy="1343633"/>
-          </a:xfrm>
-          <a:prstGeom prst="rect">
-            <a:avLst/>
-          </a:prstGeom>
-        </p:spPr>
-      </p:pic>
     </p:spTree>
     <p:extLst>
       <p:ext uri="{BB962C8B-B14F-4D97-AF65-F5344CB8AC3E}">
-        <p14:creationId xmlns:p14="http://schemas.microsoft.com/office/powerpoint/2010/main" val="78149977"/>
+        <p14:creationId xmlns:p14="http://schemas.microsoft.com/office/powerpoint/2010/main" val="382470826"/>
       </p:ext>
     </p:extLst>
   </p:cSld>
